--- a/module15-gathering-and-spreading/gather.pptx
+++ b/module15-gathering-and-spreading/gather.pptx
@@ -5,12 +5,16 @@
     <p:sldMasterId id="2147483648" r:id="rId1"/>
   </p:sldMasterIdLst>
   <p:notesMasterIdLst>
-    <p:NotesMasterId r:id="rId5"/>
+    <p:NotesMasterId r:id="rId9"/>
   </p:notesMasterIdLst>
   <p:sldIdLst>
     <p:sldId id="256" r:id="rId2"/>
     <p:sldId id="257" r:id="rId3"/>
     <p:sldId id="258" r:id="rId4"/>
+    <p:sldId id="259" r:id="rId5"/>
+    <p:sldId id="260" r:id="rId6"/>
+    <p:sldId id="261" r:id="rId7"/>
+    <p:sldId id="262" r:id="rId8"/>
   </p:sldIdLst>
   <p:sldSz cx="9144000" cy="6858000" type="screen4x3"/>
   <p:notesSz cx="6858000" cy="9144000"/>
@@ -527,7 +531,167 @@
             </a:pPr>
             <a:r>
               <a:rPr/>
-              <a:t>In</a:t>
+              <a:t>This</a:t>
+            </a:r>
+            <a:r>
+              <a:rPr/>
+              <a:t> </a:t>
+            </a:r>
+            <a:r>
+              <a:rPr/>
+              <a:t>data</a:t>
+            </a:r>
+            <a:r>
+              <a:rPr/>
+              <a:t> </a:t>
+            </a:r>
+            <a:r>
+              <a:rPr/>
+              <a:t>set</a:t>
+            </a:r>
+            <a:r>
+              <a:rPr/>
+              <a:t> </a:t>
+            </a:r>
+            <a:r>
+              <a:rPr/>
+              <a:t>displays</a:t>
+            </a:r>
+            <a:r>
+              <a:rPr/>
+              <a:t> </a:t>
+            </a:r>
+            <a:r>
+              <a:rPr/>
+              <a:t>depression</a:t>
+            </a:r>
+            <a:r>
+              <a:rPr/>
+              <a:t> </a:t>
+            </a:r>
+            <a:r>
+              <a:rPr/>
+              <a:t>scores</a:t>
+            </a:r>
+            <a:r>
+              <a:rPr/>
+              <a:t> </a:t>
+            </a:r>
+            <a:r>
+              <a:rPr/>
+              <a:t>among</a:t>
+            </a:r>
+            <a:r>
+              <a:rPr/>
+              <a:t> </a:t>
+            </a:r>
+            <a:r>
+              <a:rPr/>
+              <a:t>college</a:t>
+            </a:r>
+            <a:r>
+              <a:rPr/>
+              <a:t> </a:t>
+            </a:r>
+            <a:r>
+              <a:rPr/>
+              <a:t>students</a:t>
+            </a:r>
+            <a:r>
+              <a:rPr/>
+              <a:t> </a:t>
+            </a:r>
+            <a:r>
+              <a:rPr/>
+              <a:t>in</a:t>
+            </a:r>
+            <a:r>
+              <a:rPr/>
+              <a:t> </a:t>
+            </a:r>
+            <a:r>
+              <a:rPr/>
+              <a:t>a</a:t>
+            </a:r>
+            <a:r>
+              <a:rPr/>
+              <a:t> </a:t>
+            </a:r>
+            <a:r>
+              <a:rPr/>
+              <a:t>study</a:t>
+            </a:r>
+            <a:r>
+              <a:rPr/>
+              <a:t> </a:t>
+            </a:r>
+            <a:r>
+              <a:rPr/>
+              <a:t>planned</a:t>
+            </a:r>
+            <a:r>
+              <a:rPr/>
+              <a:t> </a:t>
+            </a:r>
+            <a:r>
+              <a:rPr/>
+              <a:t>for</a:t>
+            </a:r>
+            <a:r>
+              <a:rPr/>
+              <a:t> </a:t>
+            </a:r>
+            <a:r>
+              <a:rPr/>
+              <a:t>other</a:t>
+            </a:r>
+            <a:r>
+              <a:rPr/>
+              <a:t> </a:t>
+            </a:r>
+            <a:r>
+              <a:rPr/>
+              <a:t>purposes</a:t>
+            </a:r>
+            <a:r>
+              <a:rPr/>
+              <a:t> </a:t>
+            </a:r>
+            <a:r>
+              <a:rPr/>
+              <a:t>but</a:t>
+            </a:r>
+            <a:r>
+              <a:rPr/>
+              <a:t> </a:t>
+            </a:r>
+            <a:r>
+              <a:rPr/>
+              <a:t>which</a:t>
+            </a:r>
+            <a:r>
+              <a:rPr/>
+              <a:t> </a:t>
+            </a:r>
+            <a:r>
+              <a:rPr/>
+              <a:t>ended</a:t>
+            </a:r>
+            <a:r>
+              <a:rPr/>
+              <a:t> </a:t>
+            </a:r>
+            <a:r>
+              <a:rPr/>
+              <a:t>up</a:t>
+            </a:r>
+            <a:r>
+              <a:rPr/>
+              <a:t> </a:t>
+            </a:r>
+            <a:r>
+              <a:rPr/>
+              <a:t>with</a:t>
             </a:r>
             <a:r>
               <a:rPr/>
@@ -543,31 +707,39 @@
             </a:r>
             <a:r>
               <a:rPr/>
-              <a:t>previous</a:t>
-            </a:r>
-            <a:r>
-              <a:rPr/>
-              <a:t> </a:t>
-            </a:r>
-            <a:r>
-              <a:rPr/>
-              <a:t>module,</a:t>
-            </a:r>
-            <a:r>
-              <a:rPr/>
-              <a:t> </a:t>
-            </a:r>
-            <a:r>
-              <a:rPr/>
-              <a:t>I</a:t>
-            </a:r>
-            <a:r>
-              <a:rPr/>
-              <a:t> </a:t>
-            </a:r>
-            <a:r>
-              <a:rPr/>
-              <a:t>mentioned</a:t>
+              <a:t>baseline</a:t>
+            </a:r>
+            <a:r>
+              <a:rPr/>
+              <a:t> </a:t>
+            </a:r>
+            <a:r>
+              <a:rPr/>
+              <a:t>measurements</a:t>
+            </a:r>
+            <a:r>
+              <a:rPr/>
+              <a:t> </a:t>
+            </a:r>
+            <a:r>
+              <a:rPr/>
+              <a:t>collected</a:t>
+            </a:r>
+            <a:r>
+              <a:rPr/>
+              <a:t> </a:t>
+            </a:r>
+            <a:r>
+              <a:rPr/>
+              <a:t>just</a:t>
+            </a:r>
+            <a:r>
+              <a:rPr/>
+              <a:t> </a:t>
+            </a:r>
+            <a:r>
+              <a:rPr/>
+              <a:t>before</a:t>
             </a:r>
             <a:r>
               <a:rPr/>
@@ -583,31 +755,87 @@
             </a:r>
             <a:r>
               <a:rPr/>
-              <a:t>simple</a:t>
-            </a:r>
-            <a:r>
-              <a:rPr/>
-              <a:t> </a:t>
-            </a:r>
-            <a:r>
-              <a:rPr/>
-              <a:t>case:</a:t>
-            </a:r>
-            <a:r>
-              <a:rPr/>
-              <a:t> </a:t>
-            </a:r>
-            <a:r>
-              <a:rPr/>
-              <a:t>every</a:t>
-            </a:r>
-            <a:r>
-              <a:rPr/>
-              <a:t> </a:t>
-            </a:r>
-            <a:r>
-              <a:rPr/>
-              <a:t>label</a:t>
+              <a:t>major</a:t>
+            </a:r>
+            <a:r>
+              <a:rPr/>
+              <a:t> </a:t>
+            </a:r>
+            <a:r>
+              <a:rPr/>
+              <a:t>California</a:t>
+            </a:r>
+            <a:r>
+              <a:rPr/>
+              <a:t> </a:t>
+            </a:r>
+            <a:r>
+              <a:rPr/>
+              <a:t>earthquake.</a:t>
+            </a:r>
+            <a:r>
+              <a:rPr/>
+              <a:t> </a:t>
+            </a:r>
+            <a:r>
+              <a:rPr/>
+              <a:t>The</a:t>
+            </a:r>
+            <a:r>
+              <a:rPr/>
+              <a:t> </a:t>
+            </a:r>
+            <a:r>
+              <a:rPr/>
+              <a:t>researchers</a:t>
+            </a:r>
+            <a:r>
+              <a:rPr/>
+              <a:t> </a:t>
+            </a:r>
+            <a:r>
+              <a:rPr/>
+              <a:t>seized</a:t>
+            </a:r>
+            <a:r>
+              <a:rPr/>
+              <a:t> </a:t>
+            </a:r>
+            <a:r>
+              <a:rPr/>
+              <a:t>the</a:t>
+            </a:r>
+            <a:r>
+              <a:rPr/>
+              <a:t> </a:t>
+            </a:r>
+            <a:r>
+              <a:rPr/>
+              <a:t>opportunity</a:t>
+            </a:r>
+            <a:r>
+              <a:rPr/>
+              <a:t> </a:t>
+            </a:r>
+            <a:r>
+              <a:rPr/>
+              <a:t>to</a:t>
+            </a:r>
+            <a:r>
+              <a:rPr/>
+              <a:t> </a:t>
+            </a:r>
+            <a:r>
+              <a:rPr/>
+              <a:t>assess</a:t>
+            </a:r>
+            <a:r>
+              <a:rPr/>
+              <a:t> </a:t>
+            </a:r>
+            <a:r>
+              <a:rPr/>
+              <a:t>changes</a:t>
             </a:r>
             <a:r>
               <a:rPr/>
@@ -623,6 +851,46 @@
             </a:r>
             <a:r>
               <a:rPr/>
+              <a:t>depression</a:t>
+            </a:r>
+            <a:r>
+              <a:rPr/>
+              <a:t> </a:t>
+            </a:r>
+            <a:r>
+              <a:rPr/>
+              <a:t>immediately</a:t>
+            </a:r>
+            <a:r>
+              <a:rPr/>
+              <a:t> </a:t>
+            </a:r>
+            <a:r>
+              <a:rPr/>
+              <a:t>before</a:t>
+            </a:r>
+            <a:r>
+              <a:rPr/>
+              <a:t> </a:t>
+            </a:r>
+            <a:r>
+              <a:rPr/>
+              <a:t>and</a:t>
+            </a:r>
+            <a:r>
+              <a:rPr/>
+              <a:t> </a:t>
+            </a:r>
+            <a:r>
+              <a:rPr/>
+              <a:t>after</a:t>
+            </a:r>
+            <a:r>
+              <a:rPr/>
+              <a:t> </a:t>
+            </a:r>
+            <a:r>
+              <a:rPr/>
               <a:t>the</a:t>
             </a:r>
             <a:r>
@@ -631,23 +899,313 @@
             </a:r>
             <a:r>
               <a:rPr/>
-              <a:t>small</a:t>
-            </a:r>
-            <a:r>
-              <a:rPr/>
-              <a:t> </a:t>
-            </a:r>
-            <a:r>
-              <a:rPr/>
-              <a:t>table</a:t>
-            </a:r>
-            <a:r>
-              <a:rPr/>
-              <a:t> </a:t>
-            </a:r>
-            <a:r>
-              <a:rPr/>
-              <a:t>has</a:t>
+              <a:t>earchquake</a:t>
+            </a:r>
+            <a:r>
+              <a:rPr/>
+              <a:t> </a:t>
+            </a:r>
+            <a:r>
+              <a:rPr/>
+              <a:t>as</a:t>
+            </a:r>
+            <a:r>
+              <a:rPr/>
+              <a:t> </a:t>
+            </a:r>
+            <a:r>
+              <a:rPr/>
+              <a:t>well</a:t>
+            </a:r>
+            <a:r>
+              <a:rPr/>
+              <a:t> </a:t>
+            </a:r>
+            <a:r>
+              <a:rPr/>
+              <a:t>as</a:t>
+            </a:r>
+            <a:r>
+              <a:rPr/>
+              <a:t> </a:t>
+            </a:r>
+            <a:r>
+              <a:rPr/>
+              <a:t>the</a:t>
+            </a:r>
+            <a:r>
+              <a:rPr/>
+              <a:t> </a:t>
+            </a:r>
+            <a:r>
+              <a:rPr/>
+              <a:t>recovery</a:t>
+            </a:r>
+            <a:r>
+              <a:rPr/>
+              <a:t> </a:t>
+            </a:r>
+            <a:r>
+              <a:rPr/>
+              <a:t>process</a:t>
+            </a:r>
+            <a:r>
+              <a:rPr/>
+              <a:t> </a:t>
+            </a:r>
+            <a:r>
+              <a:rPr/>
+              <a:t>longer</a:t>
+            </a:r>
+            <a:r>
+              <a:rPr/>
+              <a:t> </a:t>
+            </a:r>
+            <a:r>
+              <a:rPr/>
+              <a:t>term.</a:t>
+            </a:r>
+          </a:p>
+        </p:txBody>
+      </p:sp>
+      <p:sp>
+        <p:nvSpPr>
+          <p:cNvPr id="4" name="Slide Number Placeholder 3"/>
+          <p:cNvSpPr>
+            <a:spLocks noGrp="1"/>
+          </p:cNvSpPr>
+          <p:nvPr>
+            <p:ph type="sldNum" sz="quarter" idx="10"/>
+          </p:nvPr>
+        </p:nvSpPr>
+        <p:spPr/>
+        <p:txBody>
+          <a:bodyPr/>
+          <a:lstStyle/>
+          <a:p>
+            <a:fld id="{18BDFEC3-8487-43E8-A154-7C12CBC1FFF2}" type="slidenum">
+              <a:rPr lang="en-US"/>
+              <a:t>2</a:t>
+            </a:fld>
+            <a:endParaRPr lang="en-US"/>
+          </a:p>
+        </p:txBody>
+      </p:sp>
+    </p:spTree>
+  </p:cSld>
+</p:notes>
+</file>
+
+<file path=ppt/notesSlides/notesSlide2.xml><?xml version="1.0" encoding="utf-8"?>
+<p:notes xmlns:a="http://schemas.openxmlformats.org/drawingml/2006/main" xmlns:r="http://schemas.openxmlformats.org/officeDocument/2006/relationships" xmlns:p="http://schemas.openxmlformats.org/presentationml/2006/main">
+  <p:cSld>
+    <p:spTree>
+      <p:nvGrpSpPr>
+        <p:cNvPr id="1" name=""/>
+        <p:cNvGrpSpPr/>
+        <p:nvPr/>
+      </p:nvGrpSpPr>
+      <p:grpSpPr>
+        <a:xfrm>
+          <a:off x="0" y="0"/>
+          <a:ext cx="0" cy="0"/>
+          <a:chOff x="0" y="0"/>
+          <a:chExt cx="0" cy="0"/>
+        </a:xfrm>
+      </p:grpSpPr>
+      <p:sp>
+        <p:nvSpPr>
+          <p:cNvPr id="2" name="Slide Image Placeholder 1"/>
+          <p:cNvSpPr>
+            <a:spLocks noGrp="1" noRot="1" noChangeAspect="1"/>
+          </p:cNvSpPr>
+          <p:nvPr>
+            <p:ph type="sldImg"/>
+          </p:nvPr>
+        </p:nvSpPr>
+        <p:spPr/>
+      </p:sp>
+      <p:sp>
+        <p:nvSpPr>
+          <p:cNvPr id="3" name="Notes Placeholder 2"/>
+          <p:cNvSpPr>
+            <a:spLocks noGrp="1"/>
+          </p:cNvSpPr>
+          <p:nvPr>
+            <p:ph type="body" idx="1"/>
+          </p:nvPr>
+        </p:nvSpPr>
+        <p:spPr/>
+        <p:txBody>
+          <a:bodyPr/>
+          <a:lstStyle/>
+          <a:p>
+            <a:pPr lvl="0" marL="0" indent="0">
+              <a:buNone/>
+            </a:pPr>
+            <a:r>
+              <a:rPr/>
+              <a:t>This</a:t>
+            </a:r>
+            <a:r>
+              <a:rPr/>
+              <a:t> </a:t>
+            </a:r>
+            <a:r>
+              <a:rPr/>
+              <a:t>is</a:t>
+            </a:r>
+            <a:r>
+              <a:rPr/>
+              <a:t> </a:t>
+            </a:r>
+            <a:r>
+              <a:rPr/>
+              <a:t>what</a:t>
+            </a:r>
+            <a:r>
+              <a:rPr/>
+              <a:t> </a:t>
+            </a:r>
+            <a:r>
+              <a:rPr/>
+              <a:t>the</a:t>
+            </a:r>
+            <a:r>
+              <a:rPr/>
+              <a:t> </a:t>
+            </a:r>
+            <a:r>
+              <a:rPr/>
+              <a:t>original</a:t>
+            </a:r>
+            <a:r>
+              <a:rPr/>
+              <a:t> </a:t>
+            </a:r>
+            <a:r>
+              <a:rPr/>
+              <a:t>data</a:t>
+            </a:r>
+            <a:r>
+              <a:rPr/>
+              <a:t> </a:t>
+            </a:r>
+            <a:r>
+              <a:rPr/>
+              <a:t>looks</a:t>
+            </a:r>
+            <a:r>
+              <a:rPr/>
+              <a:t> </a:t>
+            </a:r>
+            <a:r>
+              <a:rPr/>
+              <a:t>like.</a:t>
+            </a:r>
+            <a:r>
+              <a:rPr/>
+              <a:t> </a:t>
+            </a:r>
+            <a:r>
+              <a:rPr/>
+              <a:t>Notice</a:t>
+            </a:r>
+            <a:r>
+              <a:rPr/>
+              <a:t> </a:t>
+            </a:r>
+            <a:r>
+              <a:rPr/>
+              <a:t>that</a:t>
+            </a:r>
+            <a:r>
+              <a:rPr/>
+              <a:t> </a:t>
+            </a:r>
+            <a:r>
+              <a:rPr/>
+              <a:t>there</a:t>
+            </a:r>
+            <a:r>
+              <a:rPr/>
+              <a:t> </a:t>
+            </a:r>
+            <a:r>
+              <a:rPr/>
+              <a:t>is</a:t>
+            </a:r>
+            <a:r>
+              <a:rPr/>
+              <a:t> </a:t>
+            </a:r>
+            <a:r>
+              <a:rPr/>
+              <a:t>no</a:t>
+            </a:r>
+            <a:r>
+              <a:rPr/>
+              <a:t> </a:t>
+            </a:r>
+            <a:r>
+              <a:rPr/>
+              <a:t>primary</a:t>
+            </a:r>
+            <a:r>
+              <a:rPr/>
+              <a:t> </a:t>
+            </a:r>
+            <a:r>
+              <a:rPr/>
+              <a:t>key</a:t>
+            </a:r>
+            <a:r>
+              <a:rPr/>
+              <a:t> </a:t>
+            </a:r>
+            <a:r>
+              <a:rPr/>
+              <a:t>in</a:t>
+            </a:r>
+            <a:r>
+              <a:rPr/>
+              <a:t> </a:t>
+            </a:r>
+            <a:r>
+              <a:rPr/>
+              <a:t>this</a:t>
+            </a:r>
+            <a:r>
+              <a:rPr/>
+              <a:t> </a:t>
+            </a:r>
+            <a:r>
+              <a:rPr/>
+              <a:t>table.</a:t>
+            </a:r>
+            <a:r>
+              <a:rPr/>
+              <a:t> </a:t>
+            </a:r>
+            <a:r>
+              <a:rPr/>
+              <a:t>Normally</a:t>
+            </a:r>
+            <a:r>
+              <a:rPr/>
+              <a:t> </a:t>
+            </a:r>
+            <a:r>
+              <a:rPr/>
+              <a:t>this</a:t>
+            </a:r>
+            <a:r>
+              <a:rPr/>
+              <a:t> </a:t>
+            </a:r>
+            <a:r>
+              <a:rPr/>
+              <a:t>is</a:t>
             </a:r>
             <a:r>
               <a:rPr/>
@@ -663,7 +1221,15 @@
             </a:r>
             <a:r>
               <a:rPr/>
-              <a:t>code</a:t>
+              <a:t>major</a:t>
+            </a:r>
+            <a:r>
+              <a:rPr/>
+              <a:t> </a:t>
+            </a:r>
+            <a:r>
+              <a:rPr/>
+              <a:t>flaw</a:t>
             </a:r>
             <a:r>
               <a:rPr/>
@@ -679,247 +1245,71 @@
             </a:r>
             <a:r>
               <a:rPr/>
-              <a:t>the</a:t>
-            </a:r>
-            <a:r>
-              <a:rPr/>
-              <a:t> </a:t>
-            </a:r>
-            <a:r>
-              <a:rPr/>
-              <a:t>big</a:t>
-            </a:r>
-            <a:r>
-              <a:rPr/>
-              <a:t> </a:t>
-            </a:r>
-            <a:r>
-              <a:rPr/>
-              <a:t>table</a:t>
-            </a:r>
-            <a:r>
-              <a:rPr/>
-              <a:t> </a:t>
-            </a:r>
-            <a:r>
-              <a:rPr/>
-              <a:t>and</a:t>
-            </a:r>
-            <a:r>
-              <a:rPr/>
-              <a:t> </a:t>
-            </a:r>
-            <a:r>
-              <a:rPr/>
-              <a:t>vice</a:t>
-            </a:r>
-            <a:r>
-              <a:rPr/>
-              <a:t> </a:t>
-            </a:r>
-            <a:r>
-              <a:rPr/>
-              <a:t>versa.</a:t>
-            </a:r>
-            <a:r>
-              <a:rPr/>
-              <a:t> </a:t>
-            </a:r>
-            <a:r>
-              <a:rPr/>
-              <a:t>In</a:t>
-            </a:r>
-            <a:r>
-              <a:rPr/>
-              <a:t> </a:t>
-            </a:r>
-            <a:r>
-              <a:rPr/>
-              <a:t>this</a:t>
-            </a:r>
-            <a:r>
-              <a:rPr/>
-              <a:t> </a:t>
-            </a:r>
-            <a:r>
-              <a:rPr/>
-              <a:t>lecture,</a:t>
-            </a:r>
-            <a:r>
-              <a:rPr/>
-              <a:t> </a:t>
-            </a:r>
-            <a:r>
-              <a:rPr/>
-              <a:t>I’ll</a:t>
-            </a:r>
-            <a:r>
-              <a:rPr/>
-              <a:t> </a:t>
-            </a:r>
-            <a:r>
-              <a:rPr/>
-              <a:t>discuss</a:t>
-            </a:r>
-            <a:r>
-              <a:rPr/>
-              <a:t> </a:t>
-            </a:r>
-            <a:r>
-              <a:rPr/>
-              <a:t>cases</a:t>
-            </a:r>
-            <a:r>
-              <a:rPr/>
-              <a:t> </a:t>
-            </a:r>
-            <a:r>
-              <a:rPr/>
-              <a:t>where</a:t>
-            </a:r>
-            <a:r>
-              <a:rPr/>
-              <a:t> </a:t>
-            </a:r>
-            <a:r>
-              <a:rPr/>
-              <a:t>you</a:t>
-            </a:r>
-            <a:r>
-              <a:rPr/>
-              <a:t> </a:t>
-            </a:r>
-            <a:r>
-              <a:rPr/>
-              <a:t>have</a:t>
-            </a:r>
-            <a:r>
-              <a:rPr/>
-              <a:t> </a:t>
-            </a:r>
-            <a:r>
-              <a:rPr/>
-              <a:t>mismatches.</a:t>
-            </a:r>
-            <a:r>
-              <a:rPr/>
-              <a:t> </a:t>
-            </a:r>
-            <a:r>
-              <a:rPr/>
-              <a:t>Before</a:t>
-            </a:r>
-            <a:r>
-              <a:rPr/>
-              <a:t> </a:t>
-            </a:r>
-            <a:r>
-              <a:rPr/>
-              <a:t>I</a:t>
-            </a:r>
-            <a:r>
-              <a:rPr/>
-              <a:t> </a:t>
-            </a:r>
-            <a:r>
-              <a:rPr/>
-              <a:t>do</a:t>
-            </a:r>
-            <a:r>
-              <a:rPr/>
-              <a:t> </a:t>
-            </a:r>
-            <a:r>
-              <a:rPr/>
-              <a:t>that,</a:t>
-            </a:r>
-            <a:r>
-              <a:rPr/>
-              <a:t> </a:t>
-            </a:r>
-            <a:r>
-              <a:rPr/>
-              <a:t>let</a:t>
-            </a:r>
-            <a:r>
-              <a:rPr/>
-              <a:t> </a:t>
-            </a:r>
-            <a:r>
-              <a:rPr/>
-              <a:t>me</a:t>
-            </a:r>
-            <a:r>
-              <a:rPr/>
-              <a:t> </a:t>
-            </a:r>
-            <a:r>
-              <a:rPr/>
-              <a:t>talk</a:t>
-            </a:r>
-            <a:r>
-              <a:rPr/>
-              <a:t> </a:t>
-            </a:r>
-            <a:r>
-              <a:rPr/>
-              <a:t>briefly</a:t>
-            </a:r>
-            <a:r>
-              <a:rPr/>
-              <a:t> </a:t>
-            </a:r>
-            <a:r>
-              <a:rPr/>
-              <a:t>about</a:t>
-            </a:r>
-            <a:r>
-              <a:rPr/>
-              <a:t> </a:t>
-            </a:r>
-            <a:r>
-              <a:rPr/>
-              <a:t>the</a:t>
-            </a:r>
-            <a:r>
-              <a:rPr/>
-              <a:t> </a:t>
-            </a:r>
-            <a:r>
-              <a:rPr/>
-              <a:t>four</a:t>
-            </a:r>
-            <a:r>
-              <a:rPr/>
-              <a:t> </a:t>
-            </a:r>
-            <a:r>
-              <a:rPr/>
-              <a:t>major</a:t>
-            </a:r>
-            <a:r>
-              <a:rPr/>
-              <a:t> </a:t>
-            </a:r>
-            <a:r>
-              <a:rPr/>
-              <a:t>types</a:t>
-            </a:r>
-            <a:r>
-              <a:rPr/>
-              <a:t> </a:t>
-            </a:r>
-            <a:r>
-              <a:rPr/>
-              <a:t>of</a:t>
-            </a:r>
-            <a:r>
-              <a:rPr/>
-              <a:t> </a:t>
-            </a:r>
-            <a:r>
-              <a:rPr/>
-              <a:t>joins.</a:t>
+              <a:t>any</a:t>
+            </a:r>
+            <a:r>
+              <a:rPr/>
+              <a:t> </a:t>
+            </a:r>
+            <a:r>
+              <a:rPr/>
+              <a:t>reasonable</a:t>
+            </a:r>
+            <a:r>
+              <a:rPr/>
+              <a:t> </a:t>
+            </a:r>
+            <a:r>
+              <a:rPr/>
+              <a:t>database,</a:t>
+            </a:r>
+            <a:r>
+              <a:rPr/>
+              <a:t> </a:t>
+            </a:r>
+            <a:r>
+              <a:rPr/>
+              <a:t>but</a:t>
+            </a:r>
+            <a:r>
+              <a:rPr/>
+              <a:t> </a:t>
+            </a:r>
+            <a:r>
+              <a:rPr/>
+              <a:t>let’s</a:t>
+            </a:r>
+            <a:r>
+              <a:rPr/>
+              <a:t> </a:t>
+            </a:r>
+            <a:r>
+              <a:rPr/>
+              <a:t>ignore</a:t>
+            </a:r>
+            <a:r>
+              <a:rPr/>
+              <a:t> </a:t>
+            </a:r>
+            <a:r>
+              <a:rPr/>
+              <a:t>that</a:t>
+            </a:r>
+            <a:r>
+              <a:rPr/>
+              <a:t> </a:t>
+            </a:r>
+            <a:r>
+              <a:rPr/>
+              <a:t>for</a:t>
+            </a:r>
+            <a:r>
+              <a:rPr/>
+              <a:t> </a:t>
+            </a:r>
+            <a:r>
+              <a:rPr/>
+              <a:t>now.</a:t>
             </a:r>
           </a:p>
         </p:txBody>
@@ -942,6 +1332,248 @@
             <a:fld id="{18BDFEC3-8487-43E8-A154-7C12CBC1FFF2}" type="slidenum">
               <a:rPr lang="en-US"/>
               <a:t>3</a:t>
+            </a:fld>
+            <a:endParaRPr lang="en-US"/>
+          </a:p>
+        </p:txBody>
+      </p:sp>
+    </p:spTree>
+  </p:cSld>
+</p:notes>
+</file>
+
+<file path=ppt/notesSlides/notesSlide3.xml><?xml version="1.0" encoding="utf-8"?>
+<p:notes xmlns:a="http://schemas.openxmlformats.org/drawingml/2006/main" xmlns:r="http://schemas.openxmlformats.org/officeDocument/2006/relationships" xmlns:p="http://schemas.openxmlformats.org/presentationml/2006/main">
+  <p:cSld>
+    <p:spTree>
+      <p:nvGrpSpPr>
+        <p:cNvPr id="1" name=""/>
+        <p:cNvGrpSpPr/>
+        <p:nvPr/>
+      </p:nvGrpSpPr>
+      <p:grpSpPr>
+        <a:xfrm>
+          <a:off x="0" y="0"/>
+          <a:ext cx="0" cy="0"/>
+          <a:chOff x="0" y="0"/>
+          <a:chExt cx="0" cy="0"/>
+        </a:xfrm>
+      </p:grpSpPr>
+      <p:sp>
+        <p:nvSpPr>
+          <p:cNvPr id="2" name="Slide Image Placeholder 1"/>
+          <p:cNvSpPr>
+            <a:spLocks noGrp="1" noRot="1" noChangeAspect="1"/>
+          </p:cNvSpPr>
+          <p:nvPr>
+            <p:ph type="sldImg"/>
+          </p:nvPr>
+        </p:nvSpPr>
+        <p:spPr/>
+      </p:sp>
+      <p:sp>
+        <p:nvSpPr>
+          <p:cNvPr id="3" name="Notes Placeholder 2"/>
+          <p:cNvSpPr>
+            <a:spLocks noGrp="1"/>
+          </p:cNvSpPr>
+          <p:nvPr>
+            <p:ph type="body" idx="1"/>
+          </p:nvPr>
+        </p:nvSpPr>
+        <p:spPr/>
+        <p:txBody>
+          <a:bodyPr/>
+          <a:lstStyle/>
+          <a:p>
+            <a:pPr lvl="0" marL="0" indent="0">
+              <a:buNone/>
+            </a:pPr>
+            <a:r>
+              <a:rPr/>
+              <a:t>Here</a:t>
+            </a:r>
+            <a:r>
+              <a:rPr/>
+              <a:t> </a:t>
+            </a:r>
+            <a:r>
+              <a:rPr/>
+              <a:t>is</a:t>
+            </a:r>
+            <a:r>
+              <a:rPr/>
+              <a:t> </a:t>
+            </a:r>
+            <a:r>
+              <a:rPr/>
+              <a:t>the</a:t>
+            </a:r>
+            <a:r>
+              <a:rPr/>
+              <a:t> </a:t>
+            </a:r>
+            <a:r>
+              <a:rPr/>
+              <a:t>data</a:t>
+            </a:r>
+            <a:r>
+              <a:rPr/>
+              <a:t> </a:t>
+            </a:r>
+            <a:r>
+              <a:rPr/>
+              <a:t>table</a:t>
+            </a:r>
+            <a:r>
+              <a:rPr/>
+              <a:t> </a:t>
+            </a:r>
+            <a:r>
+              <a:rPr/>
+              <a:t>with</a:t>
+            </a:r>
+            <a:r>
+              <a:rPr/>
+              <a:t> </a:t>
+            </a:r>
+            <a:r>
+              <a:rPr/>
+              <a:t>a</a:t>
+            </a:r>
+            <a:r>
+              <a:rPr/>
+              <a:t> </a:t>
+            </a:r>
+            <a:r>
+              <a:rPr/>
+              <a:t>primary</a:t>
+            </a:r>
+            <a:r>
+              <a:rPr/>
+              <a:t> </a:t>
+            </a:r>
+            <a:r>
+              <a:rPr/>
+              <a:t>key</a:t>
+            </a:r>
+            <a:r>
+              <a:rPr/>
+              <a:t> </a:t>
+            </a:r>
+            <a:r>
+              <a:rPr/>
+              <a:t>added.</a:t>
+            </a:r>
+            <a:r>
+              <a:rPr/>
+              <a:t> </a:t>
+            </a:r>
+            <a:r>
+              <a:rPr/>
+              <a:t>You</a:t>
+            </a:r>
+            <a:r>
+              <a:rPr/>
+              <a:t> </a:t>
+            </a:r>
+            <a:r>
+              <a:rPr/>
+              <a:t>will</a:t>
+            </a:r>
+            <a:r>
+              <a:rPr/>
+              <a:t> </a:t>
+            </a:r>
+            <a:r>
+              <a:rPr/>
+              <a:t>need</a:t>
+            </a:r>
+            <a:r>
+              <a:rPr/>
+              <a:t> </a:t>
+            </a:r>
+            <a:r>
+              <a:rPr/>
+              <a:t>this</a:t>
+            </a:r>
+            <a:r>
+              <a:rPr/>
+              <a:t> </a:t>
+            </a:r>
+            <a:r>
+              <a:rPr/>
+              <a:t>before</a:t>
+            </a:r>
+            <a:r>
+              <a:rPr/>
+              <a:t> </a:t>
+            </a:r>
+            <a:r>
+              <a:rPr/>
+              <a:t>you</a:t>
+            </a:r>
+            <a:r>
+              <a:rPr/>
+              <a:t> </a:t>
+            </a:r>
+            <a:r>
+              <a:rPr/>
+              <a:t>try</a:t>
+            </a:r>
+            <a:r>
+              <a:rPr/>
+              <a:t> </a:t>
+            </a:r>
+            <a:r>
+              <a:rPr/>
+              <a:t>to</a:t>
+            </a:r>
+            <a:r>
+              <a:rPr/>
+              <a:t> </a:t>
+            </a:r>
+            <a:r>
+              <a:rPr/>
+              <a:t>restructure</a:t>
+            </a:r>
+            <a:r>
+              <a:rPr/>
+              <a:t> </a:t>
+            </a:r>
+            <a:r>
+              <a:rPr/>
+              <a:t>your</a:t>
+            </a:r>
+            <a:r>
+              <a:rPr/>
+              <a:t> </a:t>
+            </a:r>
+            <a:r>
+              <a:rPr/>
+              <a:t>data.</a:t>
+            </a:r>
+          </a:p>
+        </p:txBody>
+      </p:sp>
+      <p:sp>
+        <p:nvSpPr>
+          <p:cNvPr id="4" name="Slide Number Placeholder 3"/>
+          <p:cNvSpPr>
+            <a:spLocks noGrp="1"/>
+          </p:cNvSpPr>
+          <p:nvPr>
+            <p:ph type="sldNum" sz="quarter" idx="10"/>
+          </p:nvPr>
+        </p:nvSpPr>
+        <p:spPr/>
+        <p:txBody>
+          <a:bodyPr/>
+          <a:lstStyle/>
+          <a:p>
+            <a:fld id="{18BDFEC3-8487-43E8-A154-7C12CBC1FFF2}" type="slidenum">
+              <a:rPr lang="en-US"/>
+              <a:t>4</a:t>
             </a:fld>
             <a:endParaRPr lang="en-US"/>
           </a:p>
@@ -4141,15 +4773,7 @@
             </a:pPr>
             <a:r>
               <a:rPr/>
-              <a:t>lomaprie_db,</a:t>
-            </a:r>
-            <a:r>
-              <a:rPr/>
-              <a:t> </a:t>
-            </a:r>
-            <a:r>
-              <a:rPr/>
-              <a:t>listing</a:t>
+              <a:t>Description</a:t>
             </a:r>
             <a:r>
               <a:rPr/>
@@ -4165,75 +4789,99 @@
             </a:r>
             <a:r>
               <a:rPr/>
-              <a:t>original</a:t>
-            </a:r>
-            <a:r>
-              <a:rPr/>
-              <a:t> </a:t>
-            </a:r>
-            <a:r>
-              <a:rPr/>
-              <a:t>table</a:t>
-            </a:r>
-          </a:p>
-        </p:txBody>
-      </p:sp>
-      <p:sp>
-        <p:nvSpPr>
-          <p:cNvPr id="3" name="Content Placeholder 2"/>
-          <p:cNvSpPr>
-            <a:spLocks noGrp="1"/>
-          </p:cNvSpPr>
-          <p:nvPr>
-            <p:ph idx="1"/>
-          </p:nvPr>
-        </p:nvSpPr>
-        <p:spPr/>
-        <p:txBody>
-          <a:bodyPr/>
-          <a:lstStyle/>
-          <a:p>
-            <a:pPr lvl="1"/>
-            <a:r>
-              <a:rPr/>
-              <a:t>SQL code</a:t>
-            </a:r>
-          </a:p>
-          <a:p>
-            <a:pPr lvl="0" marL="1270000" indent="0">
+              <a:t>lomaprie</a:t>
+            </a:r>
+            <a:r>
+              <a:rPr/>
+              <a:t> </a:t>
+            </a:r>
+            <a:r>
+              <a:rPr/>
+              <a:t>data</a:t>
+            </a:r>
+            <a:r>
+              <a:rPr/>
+              <a:t> </a:t>
+            </a:r>
+            <a:r>
+              <a:rPr/>
+              <a:t>set</a:t>
+            </a:r>
+          </a:p>
+        </p:txBody>
+      </p:sp>
+      <p:pic>
+        <p:nvPicPr>
+          <p:cNvPr descr="../images/lomaprie.png" id="0" name="Picture 1"/>
+          <p:cNvPicPr>
+            <a:picLocks noGrp="1" noChangeAspect="1"/>
+          </p:cNvPicPr>
+          <p:nvPr/>
+        </p:nvPicPr>
+        <p:blipFill>
+          <a:blip r:embed="rId3"/>
+          <a:stretch>
+            <a:fillRect/>
+          </a:stretch>
+        </p:blipFill>
+        <p:spPr bwMode="auto">
+          <a:xfrm>
+            <a:off x="2222500" y="1600200"/>
+            <a:ext cx="4699000" cy="4013200"/>
+          </a:xfrm>
+          <a:prstGeom prst="rect">
+            <a:avLst/>
+          </a:prstGeom>
+          <a:noFill/>
+          <a:ln w="9525">
+            <a:noFill/>
+            <a:headEnd/>
+            <a:tailEnd/>
+          </a:ln>
+        </p:spPr>
+      </p:pic>
+      <p:sp>
+        <p:nvSpPr>
+          <p:cNvPr id="1" name="TextBox 3"/>
+          <p:cNvSpPr txBox="1"/>
+          <p:nvPr/>
+        </p:nvSpPr>
+        <p:spPr>
+          <a:xfrm>
+            <a:off x="457200" y="5613400"/>
+            <a:ext cx="8229600" cy="508000"/>
+          </a:xfrm>
+          <a:prstGeom prst="rect">
+            <a:avLst/>
+          </a:prstGeom>
+          <a:noFill/>
+        </p:spPr>
+        <p:txBody>
+          <a:bodyPr/>
+          <a:lstStyle/>
+          <a:p>
+            <a:pPr lvl="0" marL="0" indent="0" algn="ctr">
               <a:buNone/>
             </a:pPr>
             <a:r>
-              <a:rPr sz="1800">
-                <a:latin typeface="Courier"/>
-              </a:rPr>
-              <a:t>select row_number() over (order by week0) as id, 
-  week0, week3, week6, week9, week12 
-  from earthquake_table
-  limit 5</a:t>
-            </a:r>
-          </a:p>
-          <a:p>
-            <a:pPr lvl="1"/>
-            <a:r>
-              <a:rPr/>
-              <a:t>Output</a:t>
-            </a:r>
-          </a:p>
-          <a:p>
-            <a:pPr lvl="0" marL="1270000" indent="0">
-              <a:buNone/>
-            </a:pPr>
-            <a:r>
-              <a:rPr sz="1800">
-                <a:latin typeface="Courier"/>
-              </a:rPr>
-              <a:t>##   id Week0 Week3 Week6 Week9 Week12
-## 1  1     2     4     8     5      6
-## 2  2     2     4     8     5      6
-## 3  3     2     9    11     8      8
-## 4  4     4     5     8    10      7
-## 5  5     4     7     9     7     12</a:t>
+              <a:rPr/>
+              <a:t>Description</a:t>
+            </a:r>
+            <a:r>
+              <a:rPr/>
+              <a:t> </a:t>
+            </a:r>
+            <a:r>
+              <a:rPr/>
+              <a:t>of</a:t>
+            </a:r>
+            <a:r>
+              <a:rPr/>
+              <a:t> </a:t>
+            </a:r>
+            <a:r>
+              <a:rPr/>
+              <a:t>data</a:t>
             </a:r>
           </a:p>
         </p:txBody>
@@ -4280,31 +4928,39 @@
             </a:pPr>
             <a:r>
               <a:rPr/>
-              <a:t>How</a:t>
-            </a:r>
-            <a:r>
-              <a:rPr/>
-              <a:t> </a:t>
-            </a:r>
-            <a:r>
-              <a:rPr/>
-              <a:t>to</a:t>
-            </a:r>
-            <a:r>
-              <a:rPr/>
-              <a:t> </a:t>
-            </a:r>
-            <a:r>
-              <a:rPr/>
-              <a:t>handle</a:t>
-            </a:r>
-            <a:r>
-              <a:rPr/>
-              <a:t> </a:t>
-            </a:r>
-            <a:r>
-              <a:rPr/>
-              <a:t>mismatches</a:t>
+              <a:t>lomaprie_db,</a:t>
+            </a:r>
+            <a:r>
+              <a:rPr/>
+              <a:t> </a:t>
+            </a:r>
+            <a:r>
+              <a:rPr/>
+              <a:t>listing</a:t>
+            </a:r>
+            <a:r>
+              <a:rPr/>
+              <a:t> </a:t>
+            </a:r>
+            <a:r>
+              <a:rPr/>
+              <a:t>of</a:t>
+            </a:r>
+            <a:r>
+              <a:rPr/>
+              <a:t> </a:t>
+            </a:r>
+            <a:r>
+              <a:rPr/>
+              <a:t>original</a:t>
+            </a:r>
+            <a:r>
+              <a:rPr/>
+              <a:t> </a:t>
+            </a:r>
+            <a:r>
+              <a:rPr/>
+              <a:t>table</a:t>
             </a:r>
           </a:p>
         </p:txBody>
@@ -4327,28 +4983,473 @@
             <a:pPr lvl="1"/>
             <a:r>
               <a:rPr/>
-              <a:t>Quick overview of the four types of joins</a:t>
+              <a:t>SQL code</a:t>
+            </a:r>
+          </a:p>
+          <a:p>
+            <a:pPr lvl="0" marL="1270000" indent="0">
+              <a:buNone/>
+            </a:pPr>
+            <a:r>
+              <a:rPr sz="1800">
+                <a:latin typeface="Courier"/>
+              </a:rPr>
+              <a:t>select *
+  from earthquake_table
+  limit 5</a:t>
             </a:r>
           </a:p>
           <a:p>
             <a:pPr lvl="1"/>
             <a:r>
               <a:rPr/>
-              <a:t>Two specific cases</a:t>
+              <a:t>Output</a:t>
+            </a:r>
+          </a:p>
+          <a:p>
+            <a:pPr lvl="0" marL="1270000" indent="0">
+              <a:buNone/>
+            </a:pPr>
+            <a:r>
+              <a:rPr sz="1800">
+                <a:latin typeface="Courier"/>
+              </a:rPr>
+              <a:t>##   Week0 Week3 Week6 Week9 Week12
+## 1     6    10     8     4      6
+## 2     2     4     8     5      6
+## 3     2     4     8     5      6
+## 4     4     5     8    10      7
+## 5     4     7     9     7     12</a:t>
+            </a:r>
+          </a:p>
+        </p:txBody>
+      </p:sp>
+    </p:spTree>
+  </p:cSld>
+</p:sld>
+</file>
+
+<file path=ppt/slides/slide4.xml><?xml version="1.0" encoding="utf-8"?>
+<p:sld xmlns:a="http://schemas.openxmlformats.org/drawingml/2006/main" xmlns:r="http://schemas.openxmlformats.org/officeDocument/2006/relationships" xmlns:p="http://schemas.openxmlformats.org/presentationml/2006/main">
+  <p:cSld>
+    <p:spTree>
+      <p:nvGrpSpPr>
+        <p:cNvPr id="1" name=""/>
+        <p:cNvGrpSpPr/>
+        <p:nvPr/>
+      </p:nvGrpSpPr>
+      <p:grpSpPr>
+        <a:xfrm>
+          <a:off x="0" y="0"/>
+          <a:ext cx="0" cy="0"/>
+          <a:chOff x="0" y="0"/>
+          <a:chExt cx="0" cy="0"/>
+        </a:xfrm>
+      </p:grpSpPr>
+      <p:sp>
+        <p:nvSpPr>
+          <p:cNvPr id="2" name="Title 1"/>
+          <p:cNvSpPr>
+            <a:spLocks noGrp="1"/>
+          </p:cNvSpPr>
+          <p:nvPr>
+            <p:ph type="title"/>
+          </p:nvPr>
+        </p:nvSpPr>
+        <p:spPr/>
+        <p:txBody>
+          <a:bodyPr/>
+          <a:lstStyle/>
+          <a:p>
+            <a:pPr lvl="0" marL="0" indent="0">
+              <a:buNone/>
+            </a:pPr>
+            <a:r>
+              <a:rPr/>
+              <a:t>Adding</a:t>
+            </a:r>
+            <a:r>
+              <a:rPr/>
+              <a:t> </a:t>
+            </a:r>
+            <a:r>
+              <a:rPr/>
+              <a:t>a</a:t>
+            </a:r>
+            <a:r>
+              <a:rPr/>
+              <a:t> </a:t>
+            </a:r>
+            <a:r>
+              <a:rPr/>
+              <a:t>primary</a:t>
+            </a:r>
+            <a:r>
+              <a:rPr/>
+              <a:t> </a:t>
+            </a:r>
+            <a:r>
+              <a:rPr/>
+              <a:t>key</a:t>
+            </a:r>
+          </a:p>
+        </p:txBody>
+      </p:sp>
+      <p:sp>
+        <p:nvSpPr>
+          <p:cNvPr id="3" name="Content Placeholder 2"/>
+          <p:cNvSpPr>
+            <a:spLocks noGrp="1"/>
+          </p:cNvSpPr>
+          <p:nvPr>
+            <p:ph idx="1"/>
+          </p:nvPr>
+        </p:nvSpPr>
+        <p:spPr/>
+        <p:txBody>
+          <a:bodyPr/>
+          <a:lstStyle/>
+          <a:p>
+            <a:pPr lvl="1"/>
+            <a:r>
+              <a:rPr/>
+              <a:t>SQL code</a:t>
+            </a:r>
+          </a:p>
+          <a:p>
+            <a:pPr lvl="0" marL="1270000" indent="0">
+              <a:buNone/>
+            </a:pPr>
+            <a:r>
+              <a:rPr sz="1800">
+                <a:latin typeface="Courier"/>
+              </a:rPr>
+              <a:t>select row_number() over (order by week0) as id, 
+  week0, week3, week6, week9, week12 
+  from earthquake_table
+  limit 5</a:t>
+            </a:r>
+          </a:p>
+          <a:p>
+            <a:pPr lvl="1"/>
+            <a:r>
+              <a:rPr/>
+              <a:t>Output</a:t>
+            </a:r>
+          </a:p>
+          <a:p>
+            <a:pPr lvl="0" marL="1270000" indent="0">
+              <a:buNone/>
+            </a:pPr>
+            <a:r>
+              <a:rPr sz="1800">
+                <a:latin typeface="Courier"/>
+              </a:rPr>
+              <a:t>##   id Week0 Week3 Week6 Week9 Week12
+## 1  1     2     4     8     5      6
+## 2  2     2     4     8     5      6
+## 3  3     2     9    11     8      8
+## 4  4     4     5     8    10      7
+## 5  5     4     7     9     7     12</a:t>
+            </a:r>
+          </a:p>
+        </p:txBody>
+      </p:sp>
+    </p:spTree>
+  </p:cSld>
+</p:sld>
+</file>
+
+<file path=ppt/slides/slide5.xml><?xml version="1.0" encoding="utf-8"?>
+<p:sld xmlns:a="http://schemas.openxmlformats.org/drawingml/2006/main" xmlns:r="http://schemas.openxmlformats.org/officeDocument/2006/relationships" xmlns:p="http://schemas.openxmlformats.org/presentationml/2006/main">
+  <p:cSld>
+    <p:spTree>
+      <p:nvGrpSpPr>
+        <p:cNvPr id="1" name=""/>
+        <p:cNvGrpSpPr/>
+        <p:nvPr/>
+      </p:nvGrpSpPr>
+      <p:grpSpPr>
+        <a:xfrm>
+          <a:off x="0" y="0"/>
+          <a:ext cx="0" cy="0"/>
+          <a:chOff x="0" y="0"/>
+          <a:chExt cx="0" cy="0"/>
+        </a:xfrm>
+      </p:grpSpPr>
+      <p:sp>
+        <p:nvSpPr>
+          <p:cNvPr id="2" name="Title 1"/>
+          <p:cNvSpPr>
+            <a:spLocks noGrp="1"/>
+          </p:cNvSpPr>
+          <p:nvPr>
+            <p:ph type="title"/>
+          </p:nvPr>
+        </p:nvSpPr>
+        <p:spPr/>
+        <p:txBody>
+          <a:bodyPr/>
+          <a:lstStyle/>
+          <a:p>
+            <a:pPr lvl="0" marL="0" indent="0">
+              <a:buNone/>
+            </a:pPr>
+            <a:r>
+              <a:rPr/>
+              <a:t>What</a:t>
+            </a:r>
+            <a:r>
+              <a:rPr/>
+              <a:t> </a:t>
+            </a:r>
+            <a:r>
+              <a:rPr/>
+              <a:t>is</a:t>
+            </a:r>
+            <a:r>
+              <a:rPr/>
+              <a:t> </a:t>
+            </a:r>
+            <a:r>
+              <a:rPr/>
+              <a:t>this</a:t>
+            </a:r>
+            <a:r>
+              <a:rPr/>
+              <a:t> </a:t>
+            </a:r>
+            <a:r>
+              <a:rPr/>
+              <a:t>row_number</a:t>
+            </a:r>
+            <a:r>
+              <a:rPr/>
+              <a:t> </a:t>
+            </a:r>
+            <a:r>
+              <a:rPr/>
+              <a:t>function</a:t>
+            </a:r>
+          </a:p>
+        </p:txBody>
+      </p:sp>
+      <p:sp>
+        <p:nvSpPr>
+          <p:cNvPr id="3" name="Content Placeholder 2"/>
+          <p:cNvSpPr>
+            <a:spLocks noGrp="1"/>
+          </p:cNvSpPr>
+          <p:nvPr>
+            <p:ph idx="1"/>
+          </p:nvPr>
+        </p:nvSpPr>
+        <p:spPr/>
+        <p:txBody>
+          <a:bodyPr/>
+          <a:lstStyle/>
+          <a:p>
+            <a:pPr lvl="1"/>
+            <a:r>
+              <a:rPr/>
+              <a:t>Windowing function</a:t>
             </a:r>
           </a:p>
           <a:p>
             <a:pPr lvl="2"/>
             <a:r>
               <a:rPr/>
-              <a:t>Labels in small table without matching codes in big table</a:t>
-            </a:r>
-          </a:p>
-          <a:p>
-            <a:pPr lvl="2"/>
-            <a:r>
-              <a:rPr/>
-              <a:t>Codes in big table without matching label in small table</a:t>
+              <a:t>Not a single row function</a:t>
+            </a:r>
+          </a:p>
+          <a:p>
+            <a:pPr lvl="1"/>
+            <a:r>
+              <a:rPr/>
+              <a:t>Adds a sequence number</a:t>
+            </a:r>
+          </a:p>
+          <a:p>
+            <a:pPr lvl="1"/>
+            <a:r>
+              <a:rPr/>
+              <a:t>Require an over keyword.</a:t>
+            </a:r>
+          </a:p>
+        </p:txBody>
+      </p:sp>
+    </p:spTree>
+  </p:cSld>
+</p:sld>
+</file>
+
+<file path=ppt/slides/slide6.xml><?xml version="1.0" encoding="utf-8"?>
+<p:sld xmlns:a="http://schemas.openxmlformats.org/drawingml/2006/main" xmlns:r="http://schemas.openxmlformats.org/officeDocument/2006/relationships" xmlns:p="http://schemas.openxmlformats.org/presentationml/2006/main">
+  <p:cSld>
+    <p:spTree>
+      <p:nvGrpSpPr>
+        <p:cNvPr id="1" name=""/>
+        <p:cNvGrpSpPr/>
+        <p:nvPr/>
+      </p:nvGrpSpPr>
+      <p:grpSpPr>
+        <a:xfrm>
+          <a:off x="0" y="0"/>
+          <a:ext cx="0" cy="0"/>
+          <a:chOff x="0" y="0"/>
+          <a:chExt cx="0" cy="0"/>
+        </a:xfrm>
+      </p:grpSpPr>
+      <p:sp>
+        <p:nvSpPr>
+          <p:cNvPr id="2" name="Title 1"/>
+          <p:cNvSpPr>
+            <a:spLocks noGrp="1"/>
+          </p:cNvSpPr>
+          <p:nvPr>
+            <p:ph type="title"/>
+          </p:nvPr>
+        </p:nvSpPr>
+        <p:spPr/>
+        <p:txBody>
+          <a:bodyPr/>
+          <a:lstStyle/>
+          <a:p>
+            <a:pPr lvl="0" marL="0" indent="0">
+              <a:buNone/>
+            </a:pPr>
+            <a:r>
+              <a:rPr/>
+              <a:t>Restructuring</a:t>
+            </a:r>
+          </a:p>
+        </p:txBody>
+      </p:sp>
+      <p:sp>
+        <p:nvSpPr>
+          <p:cNvPr id="3" name="Content Placeholder 2"/>
+          <p:cNvSpPr>
+            <a:spLocks noGrp="1"/>
+          </p:cNvSpPr>
+          <p:nvPr>
+            <p:ph idx="1"/>
+          </p:nvPr>
+        </p:nvSpPr>
+        <p:spPr/>
+        <p:txBody>
+          <a:bodyPr/>
+          <a:lstStyle/>
+          <a:p>
+            <a:pPr lvl="1"/>
+            <a:r>
+              <a:rPr/>
+              <a:t>SQL code</a:t>
+            </a:r>
+          </a:p>
+          <a:p>
+            <a:pPr lvl="0" marL="1270000" indent="0">
+              <a:buNone/>
+            </a:pPr>
+            <a:r>
+              <a:rPr sz="1800">
+                <a:latin typeface="Courier"/>
+              </a:rPr>
+              <a:t>select row_number() over (order by week0) as id, 
+  week0 as depression_score,
+  0 as time
+  from earthquake_table
+  union
+    select row_number() over (order by week0) as id,
+    week3 as depression_score,
+    3 as time
+    from earthquake_table
+  limit 5</a:t>
+            </a:r>
+          </a:p>
+        </p:txBody>
+      </p:sp>
+    </p:spTree>
+  </p:cSld>
+</p:sld>
+</file>
+
+<file path=ppt/slides/slide7.xml><?xml version="1.0" encoding="utf-8"?>
+<p:sld xmlns:a="http://schemas.openxmlformats.org/drawingml/2006/main" xmlns:r="http://schemas.openxmlformats.org/officeDocument/2006/relationships" xmlns:p="http://schemas.openxmlformats.org/presentationml/2006/main">
+  <p:cSld>
+    <p:spTree>
+      <p:nvGrpSpPr>
+        <p:cNvPr id="1" name=""/>
+        <p:cNvGrpSpPr/>
+        <p:nvPr/>
+      </p:nvGrpSpPr>
+      <p:grpSpPr>
+        <a:xfrm>
+          <a:off x="0" y="0"/>
+          <a:ext cx="0" cy="0"/>
+          <a:chOff x="0" y="0"/>
+          <a:chExt cx="0" cy="0"/>
+        </a:xfrm>
+      </p:grpSpPr>
+      <p:sp>
+        <p:nvSpPr>
+          <p:cNvPr id="2" name="Title 1"/>
+          <p:cNvSpPr>
+            <a:spLocks noGrp="1"/>
+          </p:cNvSpPr>
+          <p:nvPr>
+            <p:ph type="title"/>
+          </p:nvPr>
+        </p:nvSpPr>
+        <p:spPr/>
+        <p:txBody>
+          <a:bodyPr/>
+          <a:lstStyle/>
+          <a:p>
+            <a:pPr lvl="0" marL="0" indent="0">
+              <a:buNone/>
+            </a:pPr>
+            <a:r>
+              <a:rPr/>
+              <a:t>Restructuring</a:t>
+            </a:r>
+          </a:p>
+        </p:txBody>
+      </p:sp>
+      <p:sp>
+        <p:nvSpPr>
+          <p:cNvPr id="3" name="Content Placeholder 2"/>
+          <p:cNvSpPr>
+            <a:spLocks noGrp="1"/>
+          </p:cNvSpPr>
+          <p:nvPr>
+            <p:ph idx="1"/>
+          </p:nvPr>
+        </p:nvSpPr>
+        <p:spPr/>
+        <p:txBody>
+          <a:bodyPr/>
+          <a:lstStyle/>
+          <a:p>
+            <a:pPr lvl="1"/>
+            <a:r>
+              <a:rPr/>
+              <a:t>Output</a:t>
+            </a:r>
+          </a:p>
+          <a:p>
+            <a:pPr lvl="0" marL="1270000" indent="0">
+              <a:buNone/>
+            </a:pPr>
+            <a:r>
+              <a:rPr sz="1800">
+                <a:latin typeface="Courier"/>
+              </a:rPr>
+              <a:t>##   id depression_score time
+## 1  1                2    0
+## 2  1                4    3
+## 3  2                2    0
+## 4  2                4    3
+## 5  3                2    0</a:t>
             </a:r>
           </a:p>
         </p:txBody>

--- a/module15-gathering-and-spreading/gather.pptx
+++ b/module15-gathering-and-spreading/gather.pptx
@@ -5,7 +5,7 @@
     <p:sldMasterId id="2147483648" r:id="rId1"/>
   </p:sldMasterIdLst>
   <p:notesMasterIdLst>
-    <p:NotesMasterId r:id="rId9"/>
+    <p:NotesMasterId r:id="rId11"/>
   </p:notesMasterIdLst>
   <p:sldIdLst>
     <p:sldId id="256" r:id="rId2"/>
@@ -15,6 +15,8 @@
     <p:sldId id="260" r:id="rId6"/>
     <p:sldId id="261" r:id="rId7"/>
     <p:sldId id="262" r:id="rId8"/>
+    <p:sldId id="263" r:id="rId9"/>
+    <p:sldId id="264" r:id="rId10"/>
   </p:sldIdLst>
   <p:sldSz cx="9144000" cy="6858000" type="screen4x3"/>
   <p:notesSz cx="6858000" cy="9144000"/>
@@ -966,6 +968,82 @@
               <a:t>term.</a:t>
             </a:r>
           </a:p>
+          <a:p>
+            <a:pPr lvl="0" marL="0" indent="0">
+              <a:buNone/>
+            </a:pPr>
+          </a:p>
+          <a:p>
+            <a:pPr lvl="0" marL="0" indent="0">
+              <a:buNone/>
+            </a:pPr>
+            <a:r>
+              <a:rPr/>
+              <a:t>The</a:t>
+            </a:r>
+            <a:r>
+              <a:rPr/>
+              <a:t> </a:t>
+            </a:r>
+            <a:r>
+              <a:rPr/>
+              <a:t>source</a:t>
+            </a:r>
+            <a:r>
+              <a:rPr/>
+              <a:t> </a:t>
+            </a:r>
+            <a:r>
+              <a:rPr/>
+              <a:t>for</a:t>
+            </a:r>
+            <a:r>
+              <a:rPr/>
+              <a:t> </a:t>
+            </a:r>
+            <a:r>
+              <a:rPr/>
+              <a:t>this</a:t>
+            </a:r>
+            <a:r>
+              <a:rPr/>
+              <a:t> </a:t>
+            </a:r>
+            <a:r>
+              <a:rPr/>
+              <a:t>data</a:t>
+            </a:r>
+            <a:r>
+              <a:rPr/>
+              <a:t> </a:t>
+            </a:r>
+            <a:r>
+              <a:rPr/>
+              <a:t>set</a:t>
+            </a:r>
+            <a:r>
+              <a:rPr/>
+              <a:t> </a:t>
+            </a:r>
+            <a:r>
+              <a:rPr/>
+              <a:t>is</a:t>
+            </a:r>
+          </a:p>
+          <a:p>
+            <a:pPr lvl="0" marL="0" indent="0">
+              <a:buNone/>
+            </a:pPr>
+          </a:p>
+          <a:p>
+            <a:pPr lvl="0" marL="0" indent="0">
+              <a:buNone/>
+            </a:pPr>
+            <a:r>
+              <a:rPr/>
+              <a:t>STatSci.org</a:t>
+            </a:r>
+          </a:p>
         </p:txBody>
       </p:sp>
       <p:sp>
@@ -1331,7 +1409,7 @@
           <a:p>
             <a:fld id="{18BDFEC3-8487-43E8-A154-7C12CBC1FFF2}" type="slidenum">
               <a:rPr lang="en-US"/>
-              <a:t>3</a:t>
+              <a:t>4</a:t>
             </a:fld>
             <a:endParaRPr lang="en-US"/>
           </a:p>
@@ -1573,7 +1651,7 @@
           <a:p>
             <a:fld id="{18BDFEC3-8487-43E8-A154-7C12CBC1FFF2}" type="slidenum">
               <a:rPr lang="en-US"/>
-              <a:t>4</a:t>
+              <a:t>5</a:t>
             </a:fld>
             <a:endParaRPr lang="en-US"/>
           </a:p>
@@ -4996,30 +5074,9 @@
               </a:rPr>
               <a:t>select *
   from earthquake_table
-  limit 5</a:t>
-            </a:r>
-          </a:p>
-          <a:p>
-            <a:pPr lvl="1"/>
-            <a:r>
-              <a:rPr/>
-              <a:t>Output</a:t>
-            </a:r>
-          </a:p>
-          <a:p>
-            <a:pPr lvl="0" marL="1270000" indent="0">
-              <a:buNone/>
-            </a:pPr>
-            <a:r>
-              <a:rPr sz="1800">
-                <a:latin typeface="Courier"/>
-              </a:rPr>
-              <a:t>##   Week0 Week3 Week6 Week9 Week12
-## 1     6    10     8     4      6
-## 2     2     4     8     5      6
-## 3     2     4     8     5      6
-## 4     4     5     8    10      7
-## 5     4     7     9     7     12</a:t>
+  limit 5
+select count(*) as n_records
+   from earthquake_table</a:t>
             </a:r>
           </a:p>
         </p:txBody>
@@ -5066,31 +5123,39 @@
             </a:pPr>
             <a:r>
               <a:rPr/>
-              <a:t>Adding</a:t>
-            </a:r>
-            <a:r>
-              <a:rPr/>
-              <a:t> </a:t>
-            </a:r>
-            <a:r>
-              <a:rPr/>
-              <a:t>a</a:t>
-            </a:r>
-            <a:r>
-              <a:rPr/>
-              <a:t> </a:t>
-            </a:r>
-            <a:r>
-              <a:rPr/>
-              <a:t>primary</a:t>
-            </a:r>
-            <a:r>
-              <a:rPr/>
-              <a:t> </a:t>
-            </a:r>
-            <a:r>
-              <a:rPr/>
-              <a:t>key</a:t>
+              <a:t>lomaprie_db,</a:t>
+            </a:r>
+            <a:r>
+              <a:rPr/>
+              <a:t> </a:t>
+            </a:r>
+            <a:r>
+              <a:rPr/>
+              <a:t>listing</a:t>
+            </a:r>
+            <a:r>
+              <a:rPr/>
+              <a:t> </a:t>
+            </a:r>
+            <a:r>
+              <a:rPr/>
+              <a:t>of</a:t>
+            </a:r>
+            <a:r>
+              <a:rPr/>
+              <a:t> </a:t>
+            </a:r>
+            <a:r>
+              <a:rPr/>
+              <a:t>original</a:t>
+            </a:r>
+            <a:r>
+              <a:rPr/>
+              <a:t> </a:t>
+            </a:r>
+            <a:r>
+              <a:rPr/>
+              <a:t>table</a:t>
             </a:r>
           </a:p>
         </p:txBody>
@@ -5113,7 +5178,7 @@
             <a:pPr lvl="1"/>
             <a:r>
               <a:rPr/>
-              <a:t>SQL code</a:t>
+              <a:t>Output</a:t>
             </a:r>
           </a:p>
           <a:p>
@@ -5124,17 +5189,12 @@
               <a:rPr sz="1800">
                 <a:latin typeface="Courier"/>
               </a:rPr>
-              <a:t>select row_number() over (order by week0) as id, 
-  week0, week3, week6, week9, week12 
-  from earthquake_table
-  limit 5</a:t>
-            </a:r>
-          </a:p>
-          <a:p>
-            <a:pPr lvl="1"/>
-            <a:r>
-              <a:rPr/>
-              <a:t>Output</a:t>
+              <a:t>##   Week0 Week3 Week6 Week9 Week12
+## 1     6    10     8     4      6
+## 2     2     4     8     5      6
+## 3     2     4     8     5      6
+## 4     4     5     8    10      7
+## 5     4     7     9     7     12</a:t>
             </a:r>
           </a:p>
           <a:p>
@@ -5145,12 +5205,8 @@
               <a:rPr sz="1800">
                 <a:latin typeface="Courier"/>
               </a:rPr>
-              <a:t>##   id Week0 Week3 Week6 Week9 Week12
-## 1  1     2     4     8     5      6
-## 2  2     2     4     8     5      6
-## 3  3     2     9    11     8      8
-## 4  4     4     5     8    10      7
-## 5  5     4     7     9     7     12</a:t>
+              <a:t>##   n_records
+## 1        25</a:t>
             </a:r>
           </a:p>
         </p:txBody>
@@ -5197,39 +5253,31 @@
             </a:pPr>
             <a:r>
               <a:rPr/>
-              <a:t>What</a:t>
-            </a:r>
-            <a:r>
-              <a:rPr/>
-              <a:t> </a:t>
-            </a:r>
-            <a:r>
-              <a:rPr/>
-              <a:t>is</a:t>
-            </a:r>
-            <a:r>
-              <a:rPr/>
-              <a:t> </a:t>
-            </a:r>
-            <a:r>
-              <a:rPr/>
-              <a:t>this</a:t>
-            </a:r>
-            <a:r>
-              <a:rPr/>
-              <a:t> </a:t>
-            </a:r>
-            <a:r>
-              <a:rPr/>
-              <a:t>row_number</a:t>
-            </a:r>
-            <a:r>
-              <a:rPr/>
-              <a:t> </a:t>
-            </a:r>
-            <a:r>
-              <a:rPr/>
-              <a:t>function</a:t>
+              <a:t>Adding</a:t>
+            </a:r>
+            <a:r>
+              <a:rPr/>
+              <a:t> </a:t>
+            </a:r>
+            <a:r>
+              <a:rPr/>
+              <a:t>a</a:t>
+            </a:r>
+            <a:r>
+              <a:rPr/>
+              <a:t> </a:t>
+            </a:r>
+            <a:r>
+              <a:rPr/>
+              <a:t>primary</a:t>
+            </a:r>
+            <a:r>
+              <a:rPr/>
+              <a:t> </a:t>
+            </a:r>
+            <a:r>
+              <a:rPr/>
+              <a:t>key</a:t>
             </a:r>
           </a:p>
         </p:txBody>
@@ -5252,28 +5300,45 @@
             <a:pPr lvl="1"/>
             <a:r>
               <a:rPr/>
-              <a:t>Windowing function</a:t>
-            </a:r>
-          </a:p>
-          <a:p>
-            <a:pPr lvl="2"/>
-            <a:r>
-              <a:rPr/>
-              <a:t>Not a single row function</a:t>
+              <a:t>SQL code</a:t>
+            </a:r>
+          </a:p>
+          <a:p>
+            <a:pPr lvl="0" marL="1270000" indent="0">
+              <a:buNone/>
+            </a:pPr>
+            <a:r>
+              <a:rPr sz="1800">
+                <a:latin typeface="Courier"/>
+              </a:rPr>
+              <a:t>select 
+  row_number() over (order by week0) as id, 
+  week0, week3, week6, week9, week12 
+  from earthquake_table
+  limit 5</a:t>
             </a:r>
           </a:p>
           <a:p>
             <a:pPr lvl="1"/>
             <a:r>
               <a:rPr/>
-              <a:t>Adds a sequence number</a:t>
-            </a:r>
-          </a:p>
-          <a:p>
-            <a:pPr lvl="1"/>
-            <a:r>
-              <a:rPr/>
-              <a:t>Require an over keyword.</a:t>
+              <a:t>Output</a:t>
+            </a:r>
+          </a:p>
+          <a:p>
+            <a:pPr lvl="0" marL="1270000" indent="0">
+              <a:buNone/>
+            </a:pPr>
+            <a:r>
+              <a:rPr sz="1800">
+                <a:latin typeface="Courier"/>
+              </a:rPr>
+              <a:t>##   id Week0 Week3 Week6 Week9 Week12
+## 1  1     2     4     8     5      6
+## 2  2     2     4     8     5      6
+## 3  3     2     9    11     8      8
+## 4  4     4     5     8    10      7
+## 5  5     4     7     9     7     12</a:t>
             </a:r>
           </a:p>
         </p:txBody>
@@ -5320,7 +5385,39 @@
             </a:pPr>
             <a:r>
               <a:rPr/>
-              <a:t>Restructuring</a:t>
+              <a:t>What</a:t>
+            </a:r>
+            <a:r>
+              <a:rPr/>
+              <a:t> </a:t>
+            </a:r>
+            <a:r>
+              <a:rPr/>
+              <a:t>is</a:t>
+            </a:r>
+            <a:r>
+              <a:rPr/>
+              <a:t> </a:t>
+            </a:r>
+            <a:r>
+              <a:rPr/>
+              <a:t>this</a:t>
+            </a:r>
+            <a:r>
+              <a:rPr/>
+              <a:t> </a:t>
+            </a:r>
+            <a:r>
+              <a:rPr/>
+              <a:t>row_number</a:t>
+            </a:r>
+            <a:r>
+              <a:rPr/>
+              <a:t> </a:t>
+            </a:r>
+            <a:r>
+              <a:rPr/>
+              <a:t>function</a:t>
             </a:r>
           </a:p>
         </p:txBody>
@@ -5343,27 +5440,28 @@
             <a:pPr lvl="1"/>
             <a:r>
               <a:rPr/>
-              <a:t>SQL code</a:t>
-            </a:r>
-          </a:p>
-          <a:p>
-            <a:pPr lvl="0" marL="1270000" indent="0">
-              <a:buNone/>
-            </a:pPr>
-            <a:r>
-              <a:rPr sz="1800">
-                <a:latin typeface="Courier"/>
-              </a:rPr>
-              <a:t>select row_number() over (order by week0) as id, 
-  week0 as depression_score,
-  0 as time
-  from earthquake_table
-  union
-    select row_number() over (order by week0) as id,
-    week3 as depression_score,
-    3 as time
-    from earthquake_table
-  limit 5</a:t>
+              <a:t>Windowing function</a:t>
+            </a:r>
+          </a:p>
+          <a:p>
+            <a:pPr lvl="2"/>
+            <a:r>
+              <a:rPr/>
+              <a:t>Not a single row function</a:t>
+            </a:r>
+          </a:p>
+          <a:p>
+            <a:pPr lvl="1"/>
+            <a:r>
+              <a:rPr/>
+              <a:t>Adds a sequence number</a:t>
+            </a:r>
+          </a:p>
+          <a:p>
+            <a:pPr lvl="1"/>
+            <a:r>
+              <a:rPr/>
+              <a:t>Require an over keyword.</a:t>
             </a:r>
           </a:p>
         </p:txBody>
@@ -5433,7 +5531,7 @@
             <a:pPr lvl="1"/>
             <a:r>
               <a:rPr/>
-              <a:t>Output</a:t>
+              <a:t>SQL code</a:t>
             </a:r>
           </a:p>
           <a:p>
@@ -5444,12 +5542,217 @@
               <a:rPr sz="1800">
                 <a:latin typeface="Courier"/>
               </a:rPr>
-              <a:t>##   id depression_score time
-## 1  1                2    0
-## 2  1                4    3
-## 3  2                2    0
-## 4  2                4    3
-## 5  3                2    0</a:t>
+              <a:t>select 
+  row_number() over (order by week0) as id, 
+  week0 as depression_score, 0 as time
+  from earthquake_table
+union select
+  row_number() over (order by week0) as id,
+  week3 as depression_score, 3 as time
+  from earthquake_table
+union select
+  row_number() over (order by week0) as id,
+  week6 as depression_score, 6 as time
+  from earthquake_table</a:t>
+            </a:r>
+          </a:p>
+        </p:txBody>
+      </p:sp>
+    </p:spTree>
+  </p:cSld>
+</p:sld>
+</file>
+
+<file path=ppt/slides/slide8.xml><?xml version="1.0" encoding="utf-8"?>
+<p:sld xmlns:a="http://schemas.openxmlformats.org/drawingml/2006/main" xmlns:r="http://schemas.openxmlformats.org/officeDocument/2006/relationships" xmlns:p="http://schemas.openxmlformats.org/presentationml/2006/main">
+  <p:cSld>
+    <p:spTree>
+      <p:nvGrpSpPr>
+        <p:cNvPr id="1" name=""/>
+        <p:cNvGrpSpPr/>
+        <p:nvPr/>
+      </p:nvGrpSpPr>
+      <p:grpSpPr>
+        <a:xfrm>
+          <a:off x="0" y="0"/>
+          <a:ext cx="0" cy="0"/>
+          <a:chOff x="0" y="0"/>
+          <a:chExt cx="0" cy="0"/>
+        </a:xfrm>
+      </p:grpSpPr>
+      <p:sp>
+        <p:nvSpPr>
+          <p:cNvPr id="2" name="Title 1"/>
+          <p:cNvSpPr>
+            <a:spLocks noGrp="1"/>
+          </p:cNvSpPr>
+          <p:nvPr>
+            <p:ph type="title"/>
+          </p:nvPr>
+        </p:nvSpPr>
+        <p:spPr/>
+        <p:txBody>
+          <a:bodyPr/>
+          <a:lstStyle/>
+          <a:p>
+            <a:pPr lvl="0" marL="0" indent="0">
+              <a:buNone/>
+            </a:pPr>
+            <a:r>
+              <a:rPr/>
+              <a:t>Restructuring,</a:t>
+            </a:r>
+            <a:r>
+              <a:rPr/>
+              <a:t> </a:t>
+            </a:r>
+            <a:r>
+              <a:rPr/>
+              <a:t>part</a:t>
+            </a:r>
+            <a:r>
+              <a:rPr/>
+              <a:t> </a:t>
+            </a:r>
+            <a:r>
+              <a:rPr/>
+              <a:t>2</a:t>
+            </a:r>
+          </a:p>
+        </p:txBody>
+      </p:sp>
+      <p:sp>
+        <p:nvSpPr>
+          <p:cNvPr id="3" name="Content Placeholder 2"/>
+          <p:cNvSpPr>
+            <a:spLocks noGrp="1"/>
+          </p:cNvSpPr>
+          <p:nvPr>
+            <p:ph idx="1"/>
+          </p:nvPr>
+        </p:nvSpPr>
+        <p:spPr/>
+        <p:txBody>
+          <a:bodyPr/>
+          <a:lstStyle/>
+          <a:p>
+            <a:pPr lvl="1"/>
+            <a:r>
+              <a:rPr/>
+              <a:t>SQL code, continued</a:t>
+            </a:r>
+          </a:p>
+          <a:p>
+            <a:pPr lvl="0" marL="1270000" indent="0">
+              <a:buNone/>
+            </a:pPr>
+            <a:r>
+              <a:rPr sz="1800">
+                <a:latin typeface="Courier"/>
+              </a:rPr>
+              <a:t>union select
+  row_number() over (order by week0) as id,
+  week9 as depression_score, 9 as time
+  from earthquake_table
+union select 
+  row_number() over (order by week0) as id,
+  week12 as depression_score, 12 as time
+  from earthquake_table
+limit 13</a:t>
+            </a:r>
+          </a:p>
+        </p:txBody>
+      </p:sp>
+    </p:spTree>
+  </p:cSld>
+</p:sld>
+</file>
+
+<file path=ppt/slides/slide9.xml><?xml version="1.0" encoding="utf-8"?>
+<p:sld xmlns:a="http://schemas.openxmlformats.org/drawingml/2006/main" xmlns:r="http://schemas.openxmlformats.org/officeDocument/2006/relationships" xmlns:p="http://schemas.openxmlformats.org/presentationml/2006/main">
+  <p:cSld>
+    <p:spTree>
+      <p:nvGrpSpPr>
+        <p:cNvPr id="1" name=""/>
+        <p:cNvGrpSpPr/>
+        <p:nvPr/>
+      </p:nvGrpSpPr>
+      <p:grpSpPr>
+        <a:xfrm>
+          <a:off x="0" y="0"/>
+          <a:ext cx="0" cy="0"/>
+          <a:chOff x="0" y="0"/>
+          <a:chExt cx="0" cy="0"/>
+        </a:xfrm>
+      </p:grpSpPr>
+      <p:sp>
+        <p:nvSpPr>
+          <p:cNvPr id="2" name="Title 1"/>
+          <p:cNvSpPr>
+            <a:spLocks noGrp="1"/>
+          </p:cNvSpPr>
+          <p:nvPr>
+            <p:ph type="title"/>
+          </p:nvPr>
+        </p:nvSpPr>
+        <p:spPr/>
+        <p:txBody>
+          <a:bodyPr/>
+          <a:lstStyle/>
+          <a:p>
+            <a:pPr lvl="0" marL="0" indent="0">
+              <a:buNone/>
+            </a:pPr>
+            <a:r>
+              <a:rPr/>
+              <a:t>Restructuring</a:t>
+            </a:r>
+          </a:p>
+        </p:txBody>
+      </p:sp>
+      <p:sp>
+        <p:nvSpPr>
+          <p:cNvPr id="3" name="Content Placeholder 2"/>
+          <p:cNvSpPr>
+            <a:spLocks noGrp="1"/>
+          </p:cNvSpPr>
+          <p:nvPr>
+            <p:ph idx="1"/>
+          </p:nvPr>
+        </p:nvSpPr>
+        <p:spPr/>
+        <p:txBody>
+          <a:bodyPr/>
+          <a:lstStyle/>
+          <a:p>
+            <a:pPr lvl="1"/>
+            <a:r>
+              <a:rPr/>
+              <a:t>Output</a:t>
+            </a:r>
+          </a:p>
+          <a:p>
+            <a:pPr lvl="0" marL="1270000" indent="0">
+              <a:buNone/>
+            </a:pPr>
+            <a:r>
+              <a:rPr sz="1800">
+                <a:latin typeface="Courier"/>
+              </a:rPr>
+              <a:t>##    id depression_score time
+## 1   1                2    0
+## 2   1                4    3
+## 3   1                5    9
+## 4   1                6   12
+## 5   1                8    6
+## 6   2                2    0
+## 7   2                4    3
+## 8   2                5    9
+## 9   2                6   12
+## 10  2                8    6
+## 11  3                2    0
+## 12  3                8    9
+## 13  3                8   12</a:t>
             </a:r>
           </a:p>
         </p:txBody>

--- a/module15-gathering-and-spreading/gather.pptx
+++ b/module15-gathering-and-spreading/gather.pptx
@@ -5,7 +5,7 @@
     <p:sldMasterId id="2147483648" r:id="rId1"/>
   </p:sldMasterIdLst>
   <p:notesMasterIdLst>
-    <p:NotesMasterId r:id="rId11"/>
+    <p:NotesMasterId r:id="rId10"/>
   </p:notesMasterIdLst>
   <p:sldIdLst>
     <p:sldId id="256" r:id="rId2"/>
@@ -16,7 +16,6 @@
     <p:sldId id="261" r:id="rId7"/>
     <p:sldId id="262" r:id="rId8"/>
     <p:sldId id="263" r:id="rId9"/>
-    <p:sldId id="264" r:id="rId10"/>
   </p:sldIdLst>
   <p:sldSz cx="9144000" cy="6858000" type="screen4x3"/>
   <p:notesSz cx="6858000" cy="9144000"/>
@@ -1041,7 +1040,7 @@
             </a:pPr>
             <a:r>
               <a:rPr/>
-              <a:t>STatSci.org</a:t>
+              <a:t>http://www.statsci.org/data/general/lomaprie.html</a:t>
             </a:r>
           </a:p>
         </p:txBody>
@@ -1410,248 +1409,6 @@
             <a:fld id="{18BDFEC3-8487-43E8-A154-7C12CBC1FFF2}" type="slidenum">
               <a:rPr lang="en-US"/>
               <a:t>4</a:t>
-            </a:fld>
-            <a:endParaRPr lang="en-US"/>
-          </a:p>
-        </p:txBody>
-      </p:sp>
-    </p:spTree>
-  </p:cSld>
-</p:notes>
-</file>
-
-<file path=ppt/notesSlides/notesSlide3.xml><?xml version="1.0" encoding="utf-8"?>
-<p:notes xmlns:a="http://schemas.openxmlformats.org/drawingml/2006/main" xmlns:r="http://schemas.openxmlformats.org/officeDocument/2006/relationships" xmlns:p="http://schemas.openxmlformats.org/presentationml/2006/main">
-  <p:cSld>
-    <p:spTree>
-      <p:nvGrpSpPr>
-        <p:cNvPr id="1" name=""/>
-        <p:cNvGrpSpPr/>
-        <p:nvPr/>
-      </p:nvGrpSpPr>
-      <p:grpSpPr>
-        <a:xfrm>
-          <a:off x="0" y="0"/>
-          <a:ext cx="0" cy="0"/>
-          <a:chOff x="0" y="0"/>
-          <a:chExt cx="0" cy="0"/>
-        </a:xfrm>
-      </p:grpSpPr>
-      <p:sp>
-        <p:nvSpPr>
-          <p:cNvPr id="2" name="Slide Image Placeholder 1"/>
-          <p:cNvSpPr>
-            <a:spLocks noGrp="1" noRot="1" noChangeAspect="1"/>
-          </p:cNvSpPr>
-          <p:nvPr>
-            <p:ph type="sldImg"/>
-          </p:nvPr>
-        </p:nvSpPr>
-        <p:spPr/>
-      </p:sp>
-      <p:sp>
-        <p:nvSpPr>
-          <p:cNvPr id="3" name="Notes Placeholder 2"/>
-          <p:cNvSpPr>
-            <a:spLocks noGrp="1"/>
-          </p:cNvSpPr>
-          <p:nvPr>
-            <p:ph type="body" idx="1"/>
-          </p:nvPr>
-        </p:nvSpPr>
-        <p:spPr/>
-        <p:txBody>
-          <a:bodyPr/>
-          <a:lstStyle/>
-          <a:p>
-            <a:pPr lvl="0" marL="0" indent="0">
-              <a:buNone/>
-            </a:pPr>
-            <a:r>
-              <a:rPr/>
-              <a:t>Here</a:t>
-            </a:r>
-            <a:r>
-              <a:rPr/>
-              <a:t> </a:t>
-            </a:r>
-            <a:r>
-              <a:rPr/>
-              <a:t>is</a:t>
-            </a:r>
-            <a:r>
-              <a:rPr/>
-              <a:t> </a:t>
-            </a:r>
-            <a:r>
-              <a:rPr/>
-              <a:t>the</a:t>
-            </a:r>
-            <a:r>
-              <a:rPr/>
-              <a:t> </a:t>
-            </a:r>
-            <a:r>
-              <a:rPr/>
-              <a:t>data</a:t>
-            </a:r>
-            <a:r>
-              <a:rPr/>
-              <a:t> </a:t>
-            </a:r>
-            <a:r>
-              <a:rPr/>
-              <a:t>table</a:t>
-            </a:r>
-            <a:r>
-              <a:rPr/>
-              <a:t> </a:t>
-            </a:r>
-            <a:r>
-              <a:rPr/>
-              <a:t>with</a:t>
-            </a:r>
-            <a:r>
-              <a:rPr/>
-              <a:t> </a:t>
-            </a:r>
-            <a:r>
-              <a:rPr/>
-              <a:t>a</a:t>
-            </a:r>
-            <a:r>
-              <a:rPr/>
-              <a:t> </a:t>
-            </a:r>
-            <a:r>
-              <a:rPr/>
-              <a:t>primary</a:t>
-            </a:r>
-            <a:r>
-              <a:rPr/>
-              <a:t> </a:t>
-            </a:r>
-            <a:r>
-              <a:rPr/>
-              <a:t>key</a:t>
-            </a:r>
-            <a:r>
-              <a:rPr/>
-              <a:t> </a:t>
-            </a:r>
-            <a:r>
-              <a:rPr/>
-              <a:t>added.</a:t>
-            </a:r>
-            <a:r>
-              <a:rPr/>
-              <a:t> </a:t>
-            </a:r>
-            <a:r>
-              <a:rPr/>
-              <a:t>You</a:t>
-            </a:r>
-            <a:r>
-              <a:rPr/>
-              <a:t> </a:t>
-            </a:r>
-            <a:r>
-              <a:rPr/>
-              <a:t>will</a:t>
-            </a:r>
-            <a:r>
-              <a:rPr/>
-              <a:t> </a:t>
-            </a:r>
-            <a:r>
-              <a:rPr/>
-              <a:t>need</a:t>
-            </a:r>
-            <a:r>
-              <a:rPr/>
-              <a:t> </a:t>
-            </a:r>
-            <a:r>
-              <a:rPr/>
-              <a:t>this</a:t>
-            </a:r>
-            <a:r>
-              <a:rPr/>
-              <a:t> </a:t>
-            </a:r>
-            <a:r>
-              <a:rPr/>
-              <a:t>before</a:t>
-            </a:r>
-            <a:r>
-              <a:rPr/>
-              <a:t> </a:t>
-            </a:r>
-            <a:r>
-              <a:rPr/>
-              <a:t>you</a:t>
-            </a:r>
-            <a:r>
-              <a:rPr/>
-              <a:t> </a:t>
-            </a:r>
-            <a:r>
-              <a:rPr/>
-              <a:t>try</a:t>
-            </a:r>
-            <a:r>
-              <a:rPr/>
-              <a:t> </a:t>
-            </a:r>
-            <a:r>
-              <a:rPr/>
-              <a:t>to</a:t>
-            </a:r>
-            <a:r>
-              <a:rPr/>
-              <a:t> </a:t>
-            </a:r>
-            <a:r>
-              <a:rPr/>
-              <a:t>restructure</a:t>
-            </a:r>
-            <a:r>
-              <a:rPr/>
-              <a:t> </a:t>
-            </a:r>
-            <a:r>
-              <a:rPr/>
-              <a:t>your</a:t>
-            </a:r>
-            <a:r>
-              <a:rPr/>
-              <a:t> </a:t>
-            </a:r>
-            <a:r>
-              <a:rPr/>
-              <a:t>data.</a:t>
-            </a:r>
-          </a:p>
-        </p:txBody>
-      </p:sp>
-      <p:sp>
-        <p:nvSpPr>
-          <p:cNvPr id="4" name="Slide Number Placeholder 3"/>
-          <p:cNvSpPr>
-            <a:spLocks noGrp="1"/>
-          </p:cNvSpPr>
-          <p:nvPr>
-            <p:ph type="sldNum" sz="quarter" idx="10"/>
-          </p:nvPr>
-        </p:nvSpPr>
-        <p:spPr/>
-        <p:txBody>
-          <a:bodyPr/>
-          <a:lstStyle/>
-          <a:p>
-            <a:fld id="{18BDFEC3-8487-43E8-A154-7C12CBC1FFF2}" type="slidenum">
-              <a:rPr lang="en-US"/>
-              <a:t>5</a:t>
             </a:fld>
             <a:endParaRPr lang="en-US"/>
           </a:p>
@@ -5189,12 +4946,12 @@
               <a:rPr sz="1800">
                 <a:latin typeface="Courier"/>
               </a:rPr>
-              <a:t>##   Week0 Week3 Week6 Week9 Week12
-## 1     6    10     8     4      6
-## 2     2     4     8     5      6
-## 3     2     4     8     5      6
-## 4     4     5     8    10      7
-## 5     4     7     9     7     12</a:t>
+              <a:t>##   id Week0 Week3 Week6 Week9 Week12
+## 1  1     6    10     8     4      6
+## 2  2     2     4     8     5      6
+## 3  3     2     4     8     5      6
+## 4  4     4     5     8    10      7
+## 5  5     4     7     9     7     12</a:t>
             </a:r>
           </a:p>
           <a:p>
@@ -5253,31 +5010,15 @@
             </a:pPr>
             <a:r>
               <a:rPr/>
-              <a:t>Adding</a:t>
-            </a:r>
-            <a:r>
-              <a:rPr/>
-              <a:t> </a:t>
-            </a:r>
-            <a:r>
-              <a:rPr/>
-              <a:t>a</a:t>
-            </a:r>
-            <a:r>
-              <a:rPr/>
-              <a:t> </a:t>
-            </a:r>
-            <a:r>
-              <a:rPr/>
-              <a:t>primary</a:t>
-            </a:r>
-            <a:r>
-              <a:rPr/>
-              <a:t> </a:t>
-            </a:r>
-            <a:r>
-              <a:rPr/>
-              <a:t>key</a:t>
+              <a:t>Test</a:t>
+            </a:r>
+            <a:r>
+              <a:rPr/>
+              <a:t> </a:t>
+            </a:r>
+            <a:r>
+              <a:rPr/>
+              <a:t>slide</a:t>
             </a:r>
           </a:p>
         </p:txBody>
@@ -5296,13 +5037,6 @@
         <p:txBody>
           <a:bodyPr/>
           <a:lstStyle/>
-          <a:p>
-            <a:pPr lvl="1"/>
-            <a:r>
-              <a:rPr/>
-              <a:t>SQL code</a:t>
-            </a:r>
-          </a:p>
           <a:p>
             <a:pPr lvl="0" marL="1270000" indent="0">
               <a:buNone/>
@@ -5311,34 +5045,21 @@
               <a:rPr sz="1800">
                 <a:latin typeface="Courier"/>
               </a:rPr>
-              <a:t>select 
-  row_number() over (order by week0) as id, 
-  week0, week3, week6, week9, week12 
-  from earthquake_table
-  limit 5</a:t>
-            </a:r>
-          </a:p>
-          <a:p>
-            <a:pPr lvl="1"/>
-            <a:r>
-              <a:rPr/>
-              <a:t>Output</a:t>
-            </a:r>
-          </a:p>
-          <a:p>
-            <a:pPr lvl="0" marL="1270000" indent="0">
-              <a:buNone/>
-            </a:pPr>
-            <a:r>
-              <a:rPr sz="1800">
-                <a:latin typeface="Courier"/>
-              </a:rPr>
-              <a:t>##   id Week0 Week3 Week6 Week9 Week12
-## 1  1     2     4     8     5      6
-## 2  2     2     4     8     5      6
-## 3  3     2     9    11     8      8
-## 4  4     4     5     8    10      7
-## 5  5     4     7     9     7     12</a:t>
+              <a:t>r01      1    1    2    2    3    3    4    4  4
+r02 5    0    5    0    5    0    5    0    5  8
+r03
+r04      1    1    2    2    3    3    4    4  4
+r05 5    0    5    0    5    0    5    0    5  8
+r06
+r07      1    1    2    2    3    3    4    4  4
+r08 5    0    5    0    5    0    5    0    5  8
+r09
+r10      1    1    2    2    3    3    4    4  4
+r11 5    0    5    0    5    0    5    0    5  8
+r12
+r13      1    1    2    2    3    3    4    4  4
+r14 5    0    5    0    5    0    5    0    5  8
+r15</a:t>
             </a:r>
           </a:p>
         </p:txBody>
@@ -5385,39 +5106,7 @@
             </a:pPr>
             <a:r>
               <a:rPr/>
-              <a:t>What</a:t>
-            </a:r>
-            <a:r>
-              <a:rPr/>
-              <a:t> </a:t>
-            </a:r>
-            <a:r>
-              <a:rPr/>
-              <a:t>is</a:t>
-            </a:r>
-            <a:r>
-              <a:rPr/>
-              <a:t> </a:t>
-            </a:r>
-            <a:r>
-              <a:rPr/>
-              <a:t>this</a:t>
-            </a:r>
-            <a:r>
-              <a:rPr/>
-              <a:t> </a:t>
-            </a:r>
-            <a:r>
-              <a:rPr/>
-              <a:t>row_number</a:t>
-            </a:r>
-            <a:r>
-              <a:rPr/>
-              <a:t> </a:t>
-            </a:r>
-            <a:r>
-              <a:rPr/>
-              <a:t>function</a:t>
+              <a:t>Restructuring</a:t>
             </a:r>
           </a:p>
         </p:txBody>
@@ -5440,28 +5129,26 @@
             <a:pPr lvl="1"/>
             <a:r>
               <a:rPr/>
-              <a:t>Windowing function</a:t>
-            </a:r>
-          </a:p>
-          <a:p>
-            <a:pPr lvl="2"/>
-            <a:r>
-              <a:rPr/>
-              <a:t>Not a single row function</a:t>
-            </a:r>
-          </a:p>
-          <a:p>
-            <a:pPr lvl="1"/>
-            <a:r>
-              <a:rPr/>
-              <a:t>Adds a sequence number</a:t>
-            </a:r>
-          </a:p>
-          <a:p>
-            <a:pPr lvl="1"/>
-            <a:r>
-              <a:rPr/>
-              <a:t>Require an over keyword.</a:t>
+              <a:t>SQL code</a:t>
+            </a:r>
+          </a:p>
+          <a:p>
+            <a:pPr lvl="0" marL="1270000" indent="0">
+              <a:buNone/>
+            </a:pPr>
+            <a:r>
+              <a:rPr sz="1800">
+                <a:latin typeface="Courier"/>
+              </a:rPr>
+              <a:t>select 
+  id, week0 as depression_score, 0 as time
+  from earthquake_table
+union select
+  id, week3 as depression_score, 3 as time
+  from earthquake_table
+union select
+  id, week6 as depression_score, 6 as time
+  from earthquake_table</a:t>
             </a:r>
           </a:p>
         </p:txBody>
@@ -5508,7 +5195,23 @@
             </a:pPr>
             <a:r>
               <a:rPr/>
-              <a:t>Restructuring</a:t>
+              <a:t>Restructuring,</a:t>
+            </a:r>
+            <a:r>
+              <a:rPr/>
+              <a:t> </a:t>
+            </a:r>
+            <a:r>
+              <a:rPr/>
+              <a:t>part</a:t>
+            </a:r>
+            <a:r>
+              <a:rPr/>
+              <a:t> </a:t>
+            </a:r>
+            <a:r>
+              <a:rPr/>
+              <a:t>2</a:t>
             </a:r>
           </a:p>
         </p:txBody>
@@ -5531,7 +5234,7 @@
             <a:pPr lvl="1"/>
             <a:r>
               <a:rPr/>
-              <a:t>SQL code</a:t>
+              <a:t>SQL code, continued</a:t>
             </a:r>
           </a:p>
           <a:p>
@@ -5542,18 +5245,13 @@
               <a:rPr sz="1800">
                 <a:latin typeface="Courier"/>
               </a:rPr>
-              <a:t>select 
-  row_number() over (order by week0) as id, 
-  week0 as depression_score, 0 as time
+              <a:t>union select
+  id, week9 as depression_score, 9 as time
   from earthquake_table
-union select
-  row_number() over (order by week0) as id,
-  week3 as depression_score, 3 as time
+union 
+  select id, week12 as depression_score, 12 as time
   from earthquake_table
-union select
-  row_number() over (order by week0) as id,
-  week6 as depression_score, 6 as time
-  from earthquake_table</a:t>
+limit 13</a:t>
             </a:r>
           </a:p>
         </p:txBody>
@@ -5600,111 +5298,6 @@
             </a:pPr>
             <a:r>
               <a:rPr/>
-              <a:t>Restructuring,</a:t>
-            </a:r>
-            <a:r>
-              <a:rPr/>
-              <a:t> </a:t>
-            </a:r>
-            <a:r>
-              <a:rPr/>
-              <a:t>part</a:t>
-            </a:r>
-            <a:r>
-              <a:rPr/>
-              <a:t> </a:t>
-            </a:r>
-            <a:r>
-              <a:rPr/>
-              <a:t>2</a:t>
-            </a:r>
-          </a:p>
-        </p:txBody>
-      </p:sp>
-      <p:sp>
-        <p:nvSpPr>
-          <p:cNvPr id="3" name="Content Placeholder 2"/>
-          <p:cNvSpPr>
-            <a:spLocks noGrp="1"/>
-          </p:cNvSpPr>
-          <p:nvPr>
-            <p:ph idx="1"/>
-          </p:nvPr>
-        </p:nvSpPr>
-        <p:spPr/>
-        <p:txBody>
-          <a:bodyPr/>
-          <a:lstStyle/>
-          <a:p>
-            <a:pPr lvl="1"/>
-            <a:r>
-              <a:rPr/>
-              <a:t>SQL code, continued</a:t>
-            </a:r>
-          </a:p>
-          <a:p>
-            <a:pPr lvl="0" marL="1270000" indent="0">
-              <a:buNone/>
-            </a:pPr>
-            <a:r>
-              <a:rPr sz="1800">
-                <a:latin typeface="Courier"/>
-              </a:rPr>
-              <a:t>union select
-  row_number() over (order by week0) as id,
-  week9 as depression_score, 9 as time
-  from earthquake_table
-union select 
-  row_number() over (order by week0) as id,
-  week12 as depression_score, 12 as time
-  from earthquake_table
-limit 13</a:t>
-            </a:r>
-          </a:p>
-        </p:txBody>
-      </p:sp>
-    </p:spTree>
-  </p:cSld>
-</p:sld>
-</file>
-
-<file path=ppt/slides/slide9.xml><?xml version="1.0" encoding="utf-8"?>
-<p:sld xmlns:a="http://schemas.openxmlformats.org/drawingml/2006/main" xmlns:r="http://schemas.openxmlformats.org/officeDocument/2006/relationships" xmlns:p="http://schemas.openxmlformats.org/presentationml/2006/main">
-  <p:cSld>
-    <p:spTree>
-      <p:nvGrpSpPr>
-        <p:cNvPr id="1" name=""/>
-        <p:cNvGrpSpPr/>
-        <p:nvPr/>
-      </p:nvGrpSpPr>
-      <p:grpSpPr>
-        <a:xfrm>
-          <a:off x="0" y="0"/>
-          <a:ext cx="0" cy="0"/>
-          <a:chOff x="0" y="0"/>
-          <a:chExt cx="0" cy="0"/>
-        </a:xfrm>
-      </p:grpSpPr>
-      <p:sp>
-        <p:nvSpPr>
-          <p:cNvPr id="2" name="Title 1"/>
-          <p:cNvSpPr>
-            <a:spLocks noGrp="1"/>
-          </p:cNvSpPr>
-          <p:nvPr>
-            <p:ph type="title"/>
-          </p:nvPr>
-        </p:nvSpPr>
-        <p:spPr/>
-        <p:txBody>
-          <a:bodyPr/>
-          <a:lstStyle/>
-          <a:p>
-            <a:pPr lvl="0" marL="0" indent="0">
-              <a:buNone/>
-            </a:pPr>
-            <a:r>
-              <a:rPr/>
               <a:t>Restructuring</a:t>
             </a:r>
           </a:p>
@@ -5740,19 +5333,19 @@
                 <a:latin typeface="Courier"/>
               </a:rPr>
               <a:t>##    id depression_score time
-## 1   1                2    0
-## 2   1                4    3
-## 3   1                5    9
-## 4   1                6   12
-## 5   1                8    6
+## 1   1                4    9
+## 2   1                6    0
+## 3   1                6   12
+## 4   1                8    6
+## 5   1               10    3
 ## 6   2                2    0
 ## 7   2                4    3
 ## 8   2                5    9
 ## 9   2                6   12
 ## 10  2                8    6
 ## 11  3                2    0
-## 12  3                8    9
-## 13  3                8   12</a:t>
+## 12  3                4    3
+## 13  3                5    9</a:t>
             </a:r>
           </a:p>
         </p:txBody>

--- a/module15-gathering-and-spreading/gather.pptx
+++ b/module15-gathering-and-spreading/gather.pptx
@@ -5,7 +5,7 @@
     <p:sldMasterId id="2147483648" r:id="rId1"/>
   </p:sldMasterIdLst>
   <p:notesMasterIdLst>
-    <p:NotesMasterId r:id="rId10"/>
+    <p:NotesMasterId r:id="rId16"/>
   </p:notesMasterIdLst>
   <p:sldIdLst>
     <p:sldId id="256" r:id="rId2"/>
@@ -16,6 +16,12 @@
     <p:sldId id="261" r:id="rId7"/>
     <p:sldId id="262" r:id="rId8"/>
     <p:sldId id="263" r:id="rId9"/>
+    <p:sldId id="264" r:id="rId10"/>
+    <p:sldId id="265" r:id="rId11"/>
+    <p:sldId id="266" r:id="rId12"/>
+    <p:sldId id="267" r:id="rId13"/>
+    <p:sldId id="268" r:id="rId14"/>
+    <p:sldId id="269" r:id="rId15"/>
   </p:sldIdLst>
   <p:sldSz cx="9144000" cy="6858000" type="screen4x3"/>
   <p:notesSz cx="6858000" cy="9144000"/>
@@ -1409,6 +1415,462 @@
             <a:fld id="{18BDFEC3-8487-43E8-A154-7C12CBC1FFF2}" type="slidenum">
               <a:rPr lang="en-US"/>
               <a:t>4</a:t>
+            </a:fld>
+            <a:endParaRPr lang="en-US"/>
+          </a:p>
+        </p:txBody>
+      </p:sp>
+    </p:spTree>
+  </p:cSld>
+</p:notes>
+</file>
+
+<file path=ppt/notesSlides/notesSlide3.xml><?xml version="1.0" encoding="utf-8"?>
+<p:notes xmlns:a="http://schemas.openxmlformats.org/drawingml/2006/main" xmlns:r="http://schemas.openxmlformats.org/officeDocument/2006/relationships" xmlns:p="http://schemas.openxmlformats.org/presentationml/2006/main">
+  <p:cSld>
+    <p:spTree>
+      <p:nvGrpSpPr>
+        <p:cNvPr id="1" name=""/>
+        <p:cNvGrpSpPr/>
+        <p:nvPr/>
+      </p:nvGrpSpPr>
+      <p:grpSpPr>
+        <a:xfrm>
+          <a:off x="0" y="0"/>
+          <a:ext cx="0" cy="0"/>
+          <a:chOff x="0" y="0"/>
+          <a:chExt cx="0" cy="0"/>
+        </a:xfrm>
+      </p:grpSpPr>
+      <p:sp>
+        <p:nvSpPr>
+          <p:cNvPr id="2" name="Slide Image Placeholder 1"/>
+          <p:cNvSpPr>
+            <a:spLocks noGrp="1" noRot="1" noChangeAspect="1"/>
+          </p:cNvSpPr>
+          <p:nvPr>
+            <p:ph type="sldImg"/>
+          </p:nvPr>
+        </p:nvSpPr>
+        <p:spPr/>
+      </p:sp>
+      <p:sp>
+        <p:nvSpPr>
+          <p:cNvPr id="3" name="Notes Placeholder 2"/>
+          <p:cNvSpPr>
+            <a:spLocks noGrp="1"/>
+          </p:cNvSpPr>
+          <p:nvPr>
+            <p:ph type="body" idx="1"/>
+          </p:nvPr>
+        </p:nvSpPr>
+        <p:spPr/>
+        <p:txBody>
+          <a:bodyPr/>
+          <a:lstStyle/>
+          <a:p>
+            <a:pPr lvl="0" marL="0" indent="0">
+              <a:buNone/>
+            </a:pPr>
+            <a:r>
+              <a:rPr/>
+              <a:t>This</a:t>
+            </a:r>
+            <a:r>
+              <a:rPr/>
+              <a:t> </a:t>
+            </a:r>
+            <a:r>
+              <a:rPr/>
+              <a:t>data</a:t>
+            </a:r>
+            <a:r>
+              <a:rPr/>
+              <a:t> </a:t>
+            </a:r>
+            <a:r>
+              <a:rPr/>
+              <a:t>set</a:t>
+            </a:r>
+            <a:r>
+              <a:rPr/>
+              <a:t> </a:t>
+            </a:r>
+            <a:r>
+              <a:rPr/>
+              <a:t>shows</a:t>
+            </a:r>
+            <a:r>
+              <a:rPr/>
+              <a:t> </a:t>
+            </a:r>
+            <a:r>
+              <a:rPr/>
+              <a:t>cholesterol</a:t>
+            </a:r>
+            <a:r>
+              <a:rPr/>
+              <a:t> </a:t>
+            </a:r>
+            <a:r>
+              <a:rPr/>
+              <a:t>levels</a:t>
+            </a:r>
+            <a:r>
+              <a:rPr/>
+              <a:t> </a:t>
+            </a:r>
+            <a:r>
+              <a:rPr/>
+              <a:t>for</a:t>
+            </a:r>
+            <a:r>
+              <a:rPr/>
+              <a:t> </a:t>
+            </a:r>
+            <a:r>
+              <a:rPr/>
+              <a:t>patients</a:t>
+            </a:r>
+            <a:r>
+              <a:rPr/>
+              <a:t> </a:t>
+            </a:r>
+            <a:r>
+              <a:rPr/>
+              <a:t>after</a:t>
+            </a:r>
+            <a:r>
+              <a:rPr/>
+              <a:t> </a:t>
+            </a:r>
+            <a:r>
+              <a:rPr/>
+              <a:t>a</a:t>
+            </a:r>
+            <a:r>
+              <a:rPr/>
+              <a:t> </a:t>
+            </a:r>
+            <a:r>
+              <a:rPr/>
+              <a:t>heart</a:t>
+            </a:r>
+            <a:r>
+              <a:rPr/>
+              <a:t> </a:t>
+            </a:r>
+            <a:r>
+              <a:rPr/>
+              <a:t>attack.</a:t>
+            </a:r>
+            <a:r>
+              <a:rPr/>
+              <a:t> </a:t>
+            </a:r>
+            <a:r>
+              <a:rPr/>
+              <a:t>I</a:t>
+            </a:r>
+            <a:r>
+              <a:rPr/>
+              <a:t> </a:t>
+            </a:r>
+            <a:r>
+              <a:rPr/>
+              <a:t>simplified</a:t>
+            </a:r>
+            <a:r>
+              <a:rPr/>
+              <a:t> </a:t>
+            </a:r>
+            <a:r>
+              <a:rPr/>
+              <a:t>the</a:t>
+            </a:r>
+            <a:r>
+              <a:rPr/>
+              <a:t> </a:t>
+            </a:r>
+            <a:r>
+              <a:rPr/>
+              <a:t>data</a:t>
+            </a:r>
+            <a:r>
+              <a:rPr/>
+              <a:t> </a:t>
+            </a:r>
+            <a:r>
+              <a:rPr/>
+              <a:t>by</a:t>
+            </a:r>
+            <a:r>
+              <a:rPr/>
+              <a:t> </a:t>
+            </a:r>
+            <a:r>
+              <a:rPr/>
+              <a:t>removing</a:t>
+            </a:r>
+            <a:r>
+              <a:rPr/>
+              <a:t> </a:t>
+            </a:r>
+            <a:r>
+              <a:rPr/>
+              <a:t>the</a:t>
+            </a:r>
+            <a:r>
+              <a:rPr/>
+              <a:t> </a:t>
+            </a:r>
+            <a:r>
+              <a:rPr/>
+              <a:t>control</a:t>
+            </a:r>
+            <a:r>
+              <a:rPr/>
+              <a:t> </a:t>
+            </a:r>
+            <a:r>
+              <a:rPr/>
+              <a:t>patients.</a:t>
+            </a:r>
+          </a:p>
+          <a:p>
+            <a:pPr lvl="0" marL="0" indent="0">
+              <a:buNone/>
+            </a:pPr>
+          </a:p>
+          <a:p>
+            <a:pPr lvl="0" marL="0" indent="0">
+              <a:buNone/>
+            </a:pPr>
+            <a:r>
+              <a:rPr/>
+              <a:t>The</a:t>
+            </a:r>
+            <a:r>
+              <a:rPr/>
+              <a:t> </a:t>
+            </a:r>
+            <a:r>
+              <a:rPr/>
+              <a:t>source</a:t>
+            </a:r>
+            <a:r>
+              <a:rPr/>
+              <a:t> </a:t>
+            </a:r>
+            <a:r>
+              <a:rPr/>
+              <a:t>for</a:t>
+            </a:r>
+            <a:r>
+              <a:rPr/>
+              <a:t> </a:t>
+            </a:r>
+            <a:r>
+              <a:rPr/>
+              <a:t>this</a:t>
+            </a:r>
+            <a:r>
+              <a:rPr/>
+              <a:t> </a:t>
+            </a:r>
+            <a:r>
+              <a:rPr/>
+              <a:t>data</a:t>
+            </a:r>
+            <a:r>
+              <a:rPr/>
+              <a:t> </a:t>
+            </a:r>
+            <a:r>
+              <a:rPr/>
+              <a:t>set</a:t>
+            </a:r>
+            <a:r>
+              <a:rPr/>
+              <a:t> </a:t>
+            </a:r>
+            <a:r>
+              <a:rPr/>
+              <a:t>is</a:t>
+            </a:r>
+          </a:p>
+          <a:p>
+            <a:pPr lvl="0" marL="0" indent="0">
+              <a:buNone/>
+            </a:pPr>
+          </a:p>
+          <a:p>
+            <a:pPr lvl="0" marL="0" indent="0">
+              <a:buNone/>
+            </a:pPr>
+            <a:r>
+              <a:rPr/>
+              <a:t>STatSci.org</a:t>
+            </a:r>
+          </a:p>
+        </p:txBody>
+      </p:sp>
+      <p:sp>
+        <p:nvSpPr>
+          <p:cNvPr id="4" name="Slide Number Placeholder 3"/>
+          <p:cNvSpPr>
+            <a:spLocks noGrp="1"/>
+          </p:cNvSpPr>
+          <p:nvPr>
+            <p:ph type="sldNum" sz="quarter" idx="10"/>
+          </p:nvPr>
+        </p:nvSpPr>
+        <p:spPr/>
+        <p:txBody>
+          <a:bodyPr/>
+          <a:lstStyle/>
+          <a:p>
+            <a:fld id="{18BDFEC3-8487-43E8-A154-7C12CBC1FFF2}" type="slidenum">
+              <a:rPr lang="en-US"/>
+              <a:t>9</a:t>
+            </a:fld>
+            <a:endParaRPr lang="en-US"/>
+          </a:p>
+        </p:txBody>
+      </p:sp>
+    </p:spTree>
+  </p:cSld>
+</p:notes>
+</file>
+
+<file path=ppt/notesSlides/notesSlide4.xml><?xml version="1.0" encoding="utf-8"?>
+<p:notes xmlns:a="http://schemas.openxmlformats.org/drawingml/2006/main" xmlns:r="http://schemas.openxmlformats.org/officeDocument/2006/relationships" xmlns:p="http://schemas.openxmlformats.org/presentationml/2006/main">
+  <p:cSld>
+    <p:spTree>
+      <p:nvGrpSpPr>
+        <p:cNvPr id="1" name=""/>
+        <p:cNvGrpSpPr/>
+        <p:nvPr/>
+      </p:nvGrpSpPr>
+      <p:grpSpPr>
+        <a:xfrm>
+          <a:off x="0" y="0"/>
+          <a:ext cx="0" cy="0"/>
+          <a:chOff x="0" y="0"/>
+          <a:chExt cx="0" cy="0"/>
+        </a:xfrm>
+      </p:grpSpPr>
+      <p:sp>
+        <p:nvSpPr>
+          <p:cNvPr id="2" name="Slide Image Placeholder 1"/>
+          <p:cNvSpPr>
+            <a:spLocks noGrp="1" noRot="1" noChangeAspect="1"/>
+          </p:cNvSpPr>
+          <p:nvPr>
+            <p:ph type="sldImg"/>
+          </p:nvPr>
+        </p:nvSpPr>
+        <p:spPr/>
+      </p:sp>
+      <p:sp>
+        <p:nvSpPr>
+          <p:cNvPr id="3" name="Notes Placeholder 2"/>
+          <p:cNvSpPr>
+            <a:spLocks noGrp="1"/>
+          </p:cNvSpPr>
+          <p:nvPr>
+            <p:ph type="body" idx="1"/>
+          </p:nvPr>
+        </p:nvSpPr>
+        <p:spPr/>
+        <p:txBody>
+          <a:bodyPr/>
+          <a:lstStyle/>
+          <a:p>
+            <a:pPr lvl="0" marL="0" indent="0">
+              <a:buNone/>
+            </a:pPr>
+            <a:r>
+              <a:rPr/>
+              <a:t>This</a:t>
+            </a:r>
+            <a:r>
+              <a:rPr/>
+              <a:t> </a:t>
+            </a:r>
+            <a:r>
+              <a:rPr/>
+              <a:t>is</a:t>
+            </a:r>
+            <a:r>
+              <a:rPr/>
+              <a:t> </a:t>
+            </a:r>
+            <a:r>
+              <a:rPr/>
+              <a:t>what</a:t>
+            </a:r>
+            <a:r>
+              <a:rPr/>
+              <a:t> </a:t>
+            </a:r>
+            <a:r>
+              <a:rPr/>
+              <a:t>the</a:t>
+            </a:r>
+            <a:r>
+              <a:rPr/>
+              <a:t> </a:t>
+            </a:r>
+            <a:r>
+              <a:rPr/>
+              <a:t>original</a:t>
+            </a:r>
+            <a:r>
+              <a:rPr/>
+              <a:t> </a:t>
+            </a:r>
+            <a:r>
+              <a:rPr/>
+              <a:t>data</a:t>
+            </a:r>
+            <a:r>
+              <a:rPr/>
+              <a:t> </a:t>
+            </a:r>
+            <a:r>
+              <a:rPr/>
+              <a:t>looks</a:t>
+            </a:r>
+            <a:r>
+              <a:rPr/>
+              <a:t> </a:t>
+            </a:r>
+            <a:r>
+              <a:rPr/>
+              <a:t>like.</a:t>
+            </a:r>
+          </a:p>
+        </p:txBody>
+      </p:sp>
+      <p:sp>
+        <p:nvSpPr>
+          <p:cNvPr id="4" name="Slide Number Placeholder 3"/>
+          <p:cNvSpPr>
+            <a:spLocks noGrp="1"/>
+          </p:cNvSpPr>
+          <p:nvPr>
+            <p:ph type="sldNum" sz="quarter" idx="10"/>
+          </p:nvPr>
+        </p:nvSpPr>
+        <p:spPr/>
+        <p:txBody>
+          <a:bodyPr/>
+          <a:lstStyle/>
+          <a:p>
+            <a:fld id="{18BDFEC3-8487-43E8-A154-7C12CBC1FFF2}" type="slidenum">
+              <a:rPr lang="en-US"/>
+              <a:t>11</a:t>
             </a:fld>
             <a:endParaRPr lang="en-US"/>
           </a:p>
@@ -4571,6 +5033,565 @@
 </p:sld>
 </file>
 
+<file path=ppt/slides/slide10.xml><?xml version="1.0" encoding="utf-8"?>
+<p:sld xmlns:a="http://schemas.openxmlformats.org/drawingml/2006/main" xmlns:r="http://schemas.openxmlformats.org/officeDocument/2006/relationships" xmlns:p="http://schemas.openxmlformats.org/presentationml/2006/main">
+  <p:cSld>
+    <p:spTree>
+      <p:nvGrpSpPr>
+        <p:cNvPr id="1" name=""/>
+        <p:cNvGrpSpPr/>
+        <p:nvPr/>
+      </p:nvGrpSpPr>
+      <p:grpSpPr>
+        <a:xfrm>
+          <a:off x="0" y="0"/>
+          <a:ext cx="0" cy="0"/>
+          <a:chOff x="0" y="0"/>
+          <a:chExt cx="0" cy="0"/>
+        </a:xfrm>
+      </p:grpSpPr>
+      <p:sp>
+        <p:nvSpPr>
+          <p:cNvPr id="2" name="Title 1"/>
+          <p:cNvSpPr>
+            <a:spLocks noGrp="1"/>
+          </p:cNvSpPr>
+          <p:nvPr>
+            <p:ph type="title"/>
+          </p:nvPr>
+        </p:nvSpPr>
+        <p:spPr/>
+        <p:txBody>
+          <a:bodyPr/>
+          <a:lstStyle/>
+          <a:p>
+            <a:pPr lvl="0" marL="0" indent="0">
+              <a:buNone/>
+            </a:pPr>
+            <a:r>
+              <a:rPr/>
+              <a:t>cholestg_1_db,</a:t>
+            </a:r>
+            <a:r>
+              <a:rPr/>
+              <a:t> </a:t>
+            </a:r>
+            <a:r>
+              <a:rPr/>
+              <a:t>listing</a:t>
+            </a:r>
+            <a:r>
+              <a:rPr/>
+              <a:t> </a:t>
+            </a:r>
+            <a:r>
+              <a:rPr/>
+              <a:t>of</a:t>
+            </a:r>
+            <a:r>
+              <a:rPr/>
+              <a:t> </a:t>
+            </a:r>
+            <a:r>
+              <a:rPr/>
+              <a:t>original</a:t>
+            </a:r>
+            <a:r>
+              <a:rPr/>
+              <a:t> </a:t>
+            </a:r>
+            <a:r>
+              <a:rPr/>
+              <a:t>table</a:t>
+            </a:r>
+          </a:p>
+        </p:txBody>
+      </p:sp>
+      <p:sp>
+        <p:nvSpPr>
+          <p:cNvPr id="3" name="Content Placeholder 2"/>
+          <p:cNvSpPr>
+            <a:spLocks noGrp="1"/>
+          </p:cNvSpPr>
+          <p:nvPr>
+            <p:ph idx="1"/>
+          </p:nvPr>
+        </p:nvSpPr>
+        <p:spPr/>
+        <p:txBody>
+          <a:bodyPr/>
+          <a:lstStyle/>
+          <a:p>
+            <a:pPr lvl="1"/>
+            <a:r>
+              <a:rPr/>
+              <a:t>SQL code</a:t>
+            </a:r>
+          </a:p>
+          <a:p>
+            <a:pPr lvl="0" marL="1270000" indent="0">
+              <a:buNone/>
+            </a:pPr>
+            <a:r>
+              <a:rPr sz="1800">
+                <a:latin typeface="Courier"/>
+              </a:rPr>
+              <a:t>select *
+  from ch_table
+  order by patient, day
+  limit 10
+select count(*) as n_records
+   from ch_table</a:t>
+            </a:r>
+          </a:p>
+        </p:txBody>
+      </p:sp>
+    </p:spTree>
+  </p:cSld>
+</p:sld>
+</file>
+
+<file path=ppt/slides/slide11.xml><?xml version="1.0" encoding="utf-8"?>
+<p:sld xmlns:a="http://schemas.openxmlformats.org/drawingml/2006/main" xmlns:r="http://schemas.openxmlformats.org/officeDocument/2006/relationships" xmlns:p="http://schemas.openxmlformats.org/presentationml/2006/main">
+  <p:cSld>
+    <p:spTree>
+      <p:nvGrpSpPr>
+        <p:cNvPr id="1" name=""/>
+        <p:cNvGrpSpPr/>
+        <p:nvPr/>
+      </p:nvGrpSpPr>
+      <p:grpSpPr>
+        <a:xfrm>
+          <a:off x="0" y="0"/>
+          <a:ext cx="0" cy="0"/>
+          <a:chOff x="0" y="0"/>
+          <a:chExt cx="0" cy="0"/>
+        </a:xfrm>
+      </p:grpSpPr>
+      <p:sp>
+        <p:nvSpPr>
+          <p:cNvPr id="2" name="Title 1"/>
+          <p:cNvSpPr>
+            <a:spLocks noGrp="1"/>
+          </p:cNvSpPr>
+          <p:nvPr>
+            <p:ph type="title"/>
+          </p:nvPr>
+        </p:nvSpPr>
+        <p:spPr/>
+        <p:txBody>
+          <a:bodyPr/>
+          <a:lstStyle/>
+          <a:p>
+            <a:pPr lvl="0" marL="0" indent="0">
+              <a:buNone/>
+            </a:pPr>
+            <a:r>
+              <a:rPr/>
+              <a:t>cholestg_1_db,</a:t>
+            </a:r>
+            <a:r>
+              <a:rPr/>
+              <a:t> </a:t>
+            </a:r>
+            <a:r>
+              <a:rPr/>
+              <a:t>listing</a:t>
+            </a:r>
+            <a:r>
+              <a:rPr/>
+              <a:t> </a:t>
+            </a:r>
+            <a:r>
+              <a:rPr/>
+              <a:t>of</a:t>
+            </a:r>
+            <a:r>
+              <a:rPr/>
+              <a:t> </a:t>
+            </a:r>
+            <a:r>
+              <a:rPr/>
+              <a:t>original</a:t>
+            </a:r>
+            <a:r>
+              <a:rPr/>
+              <a:t> </a:t>
+            </a:r>
+            <a:r>
+              <a:rPr/>
+              <a:t>table</a:t>
+            </a:r>
+          </a:p>
+        </p:txBody>
+      </p:sp>
+      <p:sp>
+        <p:nvSpPr>
+          <p:cNvPr id="3" name="Content Placeholder 2"/>
+          <p:cNvSpPr>
+            <a:spLocks noGrp="1"/>
+          </p:cNvSpPr>
+          <p:nvPr>
+            <p:ph idx="1"/>
+          </p:nvPr>
+        </p:nvSpPr>
+        <p:spPr/>
+        <p:txBody>
+          <a:bodyPr/>
+          <a:lstStyle/>
+          <a:p>
+            <a:pPr lvl="1"/>
+            <a:r>
+              <a:rPr/>
+              <a:t>Output</a:t>
+            </a:r>
+          </a:p>
+          <a:p>
+            <a:pPr lvl="0" marL="1270000" indent="0">
+              <a:buNone/>
+            </a:pPr>
+            <a:r>
+              <a:rPr sz="1800">
+                <a:latin typeface="Courier"/>
+              </a:rPr>
+              <a:t>##    patient day cholest
+## 1        1   2     270
+## 2        1  14     156
+## 3        2   2     236
+## 4        3   2     210
+## 5        3  14     242
+## 6        4   2     142
+## 7        5   2     280
+## 8        6   2     272
+## 9        6  14     256
+## 10       7   2     160</a:t>
+            </a:r>
+          </a:p>
+          <a:p>
+            <a:pPr lvl="0" marL="1270000" indent="0">
+              <a:buNone/>
+            </a:pPr>
+            <a:r>
+              <a:rPr sz="1800">
+                <a:latin typeface="Courier"/>
+              </a:rPr>
+              <a:t>##   n_records
+## 1        47</a:t>
+            </a:r>
+          </a:p>
+        </p:txBody>
+      </p:sp>
+    </p:spTree>
+  </p:cSld>
+</p:sld>
+</file>
+
+<file path=ppt/slides/slide12.xml><?xml version="1.0" encoding="utf-8"?>
+<p:sld xmlns:a="http://schemas.openxmlformats.org/drawingml/2006/main" xmlns:r="http://schemas.openxmlformats.org/officeDocument/2006/relationships" xmlns:p="http://schemas.openxmlformats.org/presentationml/2006/main">
+  <p:cSld>
+    <p:spTree>
+      <p:nvGrpSpPr>
+        <p:cNvPr id="1" name=""/>
+        <p:cNvGrpSpPr/>
+        <p:nvPr/>
+      </p:nvGrpSpPr>
+      <p:grpSpPr>
+        <a:xfrm>
+          <a:off x="0" y="0"/>
+          <a:ext cx="0" cy="0"/>
+          <a:chOff x="0" y="0"/>
+          <a:chExt cx="0" cy="0"/>
+        </a:xfrm>
+      </p:grpSpPr>
+      <p:sp>
+        <p:nvSpPr>
+          <p:cNvPr id="2" name="Title 1"/>
+          <p:cNvSpPr>
+            <a:spLocks noGrp="1"/>
+          </p:cNvSpPr>
+          <p:nvPr>
+            <p:ph type="title"/>
+          </p:nvPr>
+        </p:nvSpPr>
+        <p:spPr/>
+        <p:txBody>
+          <a:bodyPr/>
+          <a:lstStyle/>
+          <a:p>
+            <a:pPr lvl="0" marL="0" indent="0">
+              <a:buNone/>
+            </a:pPr>
+            <a:r>
+              <a:rPr/>
+              <a:t>cholestg_1_db,</a:t>
+            </a:r>
+            <a:r>
+              <a:rPr/>
+              <a:t> </a:t>
+            </a:r>
+            <a:r>
+              <a:rPr/>
+              <a:t>count</a:t>
+            </a:r>
+            <a:r>
+              <a:rPr/>
+              <a:t> </a:t>
+            </a:r>
+            <a:r>
+              <a:rPr/>
+              <a:t>of</a:t>
+            </a:r>
+            <a:r>
+              <a:rPr/>
+              <a:t> </a:t>
+            </a:r>
+            <a:r>
+              <a:rPr/>
+              <a:t>days</a:t>
+            </a:r>
+          </a:p>
+        </p:txBody>
+      </p:sp>
+      <p:sp>
+        <p:nvSpPr>
+          <p:cNvPr id="3" name="Content Placeholder 2"/>
+          <p:cNvSpPr>
+            <a:spLocks noGrp="1"/>
+          </p:cNvSpPr>
+          <p:nvPr>
+            <p:ph idx="1"/>
+          </p:nvPr>
+        </p:nvSpPr>
+        <p:spPr/>
+        <p:txBody>
+          <a:bodyPr/>
+          <a:lstStyle/>
+          <a:p>
+            <a:pPr lvl="1"/>
+            <a:r>
+              <a:rPr/>
+              <a:t>SQL code</a:t>
+            </a:r>
+          </a:p>
+          <a:p>
+            <a:pPr lvl="0" marL="1270000" indent="0">
+              <a:buNone/>
+            </a:pPr>
+            <a:r>
+              <a:rPr sz="1800">
+                <a:latin typeface="Courier"/>
+              </a:rPr>
+              <a:t>select day, count(day) as n_days
+  from ch_table
+  group by day</a:t>
+            </a:r>
+          </a:p>
+          <a:p>
+            <a:pPr lvl="1"/>
+            <a:r>
+              <a:rPr/>
+              <a:t>Output</a:t>
+            </a:r>
+          </a:p>
+          <a:p>
+            <a:pPr lvl="0" marL="1270000" indent="0">
+              <a:buNone/>
+            </a:pPr>
+            <a:r>
+              <a:rPr sz="1800">
+                <a:latin typeface="Courier"/>
+              </a:rPr>
+              <a:t>##   day n_days
+## 1   2     28
+## 2  14     19</a:t>
+            </a:r>
+          </a:p>
+        </p:txBody>
+      </p:sp>
+    </p:spTree>
+  </p:cSld>
+</p:sld>
+</file>
+
+<file path=ppt/slides/slide13.xml><?xml version="1.0" encoding="utf-8"?>
+<p:sld xmlns:a="http://schemas.openxmlformats.org/drawingml/2006/main" xmlns:r="http://schemas.openxmlformats.org/officeDocument/2006/relationships" xmlns:p="http://schemas.openxmlformats.org/presentationml/2006/main">
+  <p:cSld>
+    <p:spTree>
+      <p:nvGrpSpPr>
+        <p:cNvPr id="1" name=""/>
+        <p:cNvGrpSpPr/>
+        <p:nvPr/>
+      </p:nvGrpSpPr>
+      <p:grpSpPr>
+        <a:xfrm>
+          <a:off x="0" y="0"/>
+          <a:ext cx="0" cy="0"/>
+          <a:chOff x="0" y="0"/>
+          <a:chExt cx="0" cy="0"/>
+        </a:xfrm>
+      </p:grpSpPr>
+      <p:sp>
+        <p:nvSpPr>
+          <p:cNvPr id="2" name="Title 1"/>
+          <p:cNvSpPr>
+            <a:spLocks noGrp="1"/>
+          </p:cNvSpPr>
+          <p:nvPr>
+            <p:ph type="title"/>
+          </p:nvPr>
+        </p:nvSpPr>
+        <p:spPr/>
+        <p:txBody>
+          <a:bodyPr/>
+          <a:lstStyle/>
+          <a:p>
+            <a:pPr lvl="0" marL="0" indent="0">
+              <a:buNone/>
+            </a:pPr>
+            <a:r>
+              <a:rPr/>
+              <a:t>Spreading</a:t>
+            </a:r>
+          </a:p>
+        </p:txBody>
+      </p:sp>
+      <p:sp>
+        <p:nvSpPr>
+          <p:cNvPr id="3" name="Content Placeholder 2"/>
+          <p:cNvSpPr>
+            <a:spLocks noGrp="1"/>
+          </p:cNvSpPr>
+          <p:nvPr>
+            <p:ph idx="1"/>
+          </p:nvPr>
+        </p:nvSpPr>
+        <p:spPr/>
+        <p:txBody>
+          <a:bodyPr/>
+          <a:lstStyle/>
+          <a:p>
+            <a:pPr lvl="1"/>
+            <a:r>
+              <a:rPr/>
+              <a:t>SQL code</a:t>
+            </a:r>
+          </a:p>
+          <a:p>
+            <a:pPr lvl="0" marL="1270000" indent="0">
+              <a:buNone/>
+            </a:pPr>
+            <a:r>
+              <a:rPr sz="1800">
+                <a:latin typeface="Courier"/>
+              </a:rPr>
+              <a:t>select d2.patient, d2.cholest as chol02, 
+  d14.cholest as chol14
+  from ch_table as d2
+  left join ch_table as d14
+  on d2.patient=d14.patient
+  where d2.day=2 and d14.day=14
+  limit 10
+</a:t>
+            </a:r>
+          </a:p>
+        </p:txBody>
+      </p:sp>
+    </p:spTree>
+  </p:cSld>
+</p:sld>
+</file>
+
+<file path=ppt/slides/slide14.xml><?xml version="1.0" encoding="utf-8"?>
+<p:sld xmlns:a="http://schemas.openxmlformats.org/drawingml/2006/main" xmlns:r="http://schemas.openxmlformats.org/officeDocument/2006/relationships" xmlns:p="http://schemas.openxmlformats.org/presentationml/2006/main">
+  <p:cSld>
+    <p:spTree>
+      <p:nvGrpSpPr>
+        <p:cNvPr id="1" name=""/>
+        <p:cNvGrpSpPr/>
+        <p:nvPr/>
+      </p:nvGrpSpPr>
+      <p:grpSpPr>
+        <a:xfrm>
+          <a:off x="0" y="0"/>
+          <a:ext cx="0" cy="0"/>
+          <a:chOff x="0" y="0"/>
+          <a:chExt cx="0" cy="0"/>
+        </a:xfrm>
+      </p:grpSpPr>
+      <p:sp>
+        <p:nvSpPr>
+          <p:cNvPr id="2" name="Title 1"/>
+          <p:cNvSpPr>
+            <a:spLocks noGrp="1"/>
+          </p:cNvSpPr>
+          <p:nvPr>
+            <p:ph type="title"/>
+          </p:nvPr>
+        </p:nvSpPr>
+        <p:spPr/>
+        <p:txBody>
+          <a:bodyPr/>
+          <a:lstStyle/>
+          <a:p>
+            <a:pPr lvl="0" marL="0" indent="0">
+              <a:buNone/>
+            </a:pPr>
+            <a:r>
+              <a:rPr/>
+              <a:t>Spreading</a:t>
+            </a:r>
+          </a:p>
+        </p:txBody>
+      </p:sp>
+      <p:sp>
+        <p:nvSpPr>
+          <p:cNvPr id="3" name="Content Placeholder 2"/>
+          <p:cNvSpPr>
+            <a:spLocks noGrp="1"/>
+          </p:cNvSpPr>
+          <p:nvPr>
+            <p:ph idx="1"/>
+          </p:nvPr>
+        </p:nvSpPr>
+        <p:spPr/>
+        <p:txBody>
+          <a:bodyPr/>
+          <a:lstStyle/>
+          <a:p>
+            <a:pPr lvl="1"/>
+            <a:r>
+              <a:rPr/>
+              <a:t>Output</a:t>
+            </a:r>
+          </a:p>
+          <a:p>
+            <a:pPr lvl="0" marL="1270000" indent="0">
+              <a:buNone/>
+            </a:pPr>
+            <a:r>
+              <a:rPr sz="1800">
+                <a:latin typeface="Courier"/>
+              </a:rPr>
+              <a:t>##    patient chol02 chol14
+## 1        1    270    156
+## 2        3    210    242
+## 3        6    272    256
+## 4        7    160    142
+## 5        8    220    216
+## 6        9    226    248
+## 7       11    186    168
+## 8       12    266    236
+## 9       14    318    200
+## 10      15    294    264</a:t>
+            </a:r>
+          </a:p>
+        </p:txBody>
+      </p:sp>
+    </p:spTree>
+  </p:cSld>
+</p:sld>
+</file>
+
 <file path=ppt/slides/slide2.xml><?xml version="1.0" encoding="utf-8"?>
 <p:sld xmlns:a="http://schemas.openxmlformats.org/drawingml/2006/main" xmlns:r="http://schemas.openxmlformats.org/officeDocument/2006/relationships" xmlns:p="http://schemas.openxmlformats.org/presentationml/2006/main">
   <p:cSld>
@@ -5106,7 +6127,7 @@
             </a:pPr>
             <a:r>
               <a:rPr/>
-              <a:t>Restructuring</a:t>
+              <a:t>Gathering</a:t>
             </a:r>
           </a:p>
         </p:txBody>
@@ -5195,23 +6216,7 @@
             </a:pPr>
             <a:r>
               <a:rPr/>
-              <a:t>Restructuring,</a:t>
-            </a:r>
-            <a:r>
-              <a:rPr/>
-              <a:t> </a:t>
-            </a:r>
-            <a:r>
-              <a:rPr/>
-              <a:t>part</a:t>
-            </a:r>
-            <a:r>
-              <a:rPr/>
-              <a:t> </a:t>
-            </a:r>
-            <a:r>
-              <a:rPr/>
-              <a:t>2</a:t>
+              <a:t>Gathering</a:t>
             </a:r>
           </a:p>
         </p:txBody>
@@ -5298,7 +6303,7 @@
             </a:pPr>
             <a:r>
               <a:rPr/>
-              <a:t>Restructuring</a:t>
+              <a:t>Gathering</a:t>
             </a:r>
           </a:p>
         </p:txBody>
@@ -5346,6 +6351,161 @@
 ## 11  3                2    0
 ## 12  3                4    3
 ## 13  3                5    9</a:t>
+            </a:r>
+          </a:p>
+        </p:txBody>
+      </p:sp>
+    </p:spTree>
+  </p:cSld>
+</p:sld>
+</file>
+
+<file path=ppt/slides/slide9.xml><?xml version="1.0" encoding="utf-8"?>
+<p:sld xmlns:a="http://schemas.openxmlformats.org/drawingml/2006/main" xmlns:r="http://schemas.openxmlformats.org/officeDocument/2006/relationships" xmlns:p="http://schemas.openxmlformats.org/presentationml/2006/main">
+  <p:cSld>
+    <p:spTree>
+      <p:nvGrpSpPr>
+        <p:cNvPr id="1" name=""/>
+        <p:cNvGrpSpPr/>
+        <p:nvPr/>
+      </p:nvGrpSpPr>
+      <p:grpSpPr>
+        <a:xfrm>
+          <a:off x="0" y="0"/>
+          <a:ext cx="0" cy="0"/>
+          <a:chOff x="0" y="0"/>
+          <a:chExt cx="0" cy="0"/>
+        </a:xfrm>
+      </p:grpSpPr>
+      <p:sp>
+        <p:nvSpPr>
+          <p:cNvPr id="2" name="Title 1"/>
+          <p:cNvSpPr>
+            <a:spLocks noGrp="1"/>
+          </p:cNvSpPr>
+          <p:nvPr>
+            <p:ph type="title"/>
+          </p:nvPr>
+        </p:nvSpPr>
+        <p:spPr/>
+        <p:txBody>
+          <a:bodyPr/>
+          <a:lstStyle/>
+          <a:p>
+            <a:pPr lvl="0" marL="0" indent="0">
+              <a:buNone/>
+            </a:pPr>
+            <a:r>
+              <a:rPr/>
+              <a:t>Description</a:t>
+            </a:r>
+            <a:r>
+              <a:rPr/>
+              <a:t> </a:t>
+            </a:r>
+            <a:r>
+              <a:rPr/>
+              <a:t>of</a:t>
+            </a:r>
+            <a:r>
+              <a:rPr/>
+              <a:t> </a:t>
+            </a:r>
+            <a:r>
+              <a:rPr/>
+              <a:t>cholestg</a:t>
+            </a:r>
+            <a:r>
+              <a:rPr/>
+              <a:t> </a:t>
+            </a:r>
+            <a:r>
+              <a:rPr/>
+              <a:t>data</a:t>
+            </a:r>
+            <a:r>
+              <a:rPr/>
+              <a:t> </a:t>
+            </a:r>
+            <a:r>
+              <a:rPr/>
+              <a:t>set</a:t>
+            </a:r>
+          </a:p>
+        </p:txBody>
+      </p:sp>
+      <p:pic>
+        <p:nvPicPr>
+          <p:cNvPr descr="../images/cholestg.png" id="0" name="Picture 1"/>
+          <p:cNvPicPr>
+            <a:picLocks noGrp="1" noChangeAspect="1"/>
+          </p:cNvPicPr>
+          <p:nvPr/>
+        </p:nvPicPr>
+        <p:blipFill>
+          <a:blip r:embed="rId3"/>
+          <a:stretch>
+            <a:fillRect/>
+          </a:stretch>
+        </p:blipFill>
+        <p:spPr bwMode="auto">
+          <a:xfrm>
+            <a:off x="1968500" y="1600200"/>
+            <a:ext cx="5194300" cy="4013200"/>
+          </a:xfrm>
+          <a:prstGeom prst="rect">
+            <a:avLst/>
+          </a:prstGeom>
+          <a:noFill/>
+          <a:ln w="9525">
+            <a:noFill/>
+            <a:headEnd/>
+            <a:tailEnd/>
+          </a:ln>
+        </p:spPr>
+      </p:pic>
+      <p:sp>
+        <p:nvSpPr>
+          <p:cNvPr id="1" name="TextBox 3"/>
+          <p:cNvSpPr txBox="1"/>
+          <p:nvPr/>
+        </p:nvSpPr>
+        <p:spPr>
+          <a:xfrm>
+            <a:off x="457200" y="5613400"/>
+            <a:ext cx="8229600" cy="508000"/>
+          </a:xfrm>
+          <a:prstGeom prst="rect">
+            <a:avLst/>
+          </a:prstGeom>
+          <a:noFill/>
+        </p:spPr>
+        <p:txBody>
+          <a:bodyPr/>
+          <a:lstStyle/>
+          <a:p>
+            <a:pPr lvl="0" marL="0" indent="0" algn="ctr">
+              <a:buNone/>
+            </a:pPr>
+            <a:r>
+              <a:rPr/>
+              <a:t>Description</a:t>
+            </a:r>
+            <a:r>
+              <a:rPr/>
+              <a:t> </a:t>
+            </a:r>
+            <a:r>
+              <a:rPr/>
+              <a:t>of</a:t>
+            </a:r>
+            <a:r>
+              <a:rPr/>
+              <a:t> </a:t>
+            </a:r>
+            <a:r>
+              <a:rPr/>
+              <a:t>data</a:t>
             </a:r>
           </a:p>
         </p:txBody>

--- a/module15-gathering-and-spreading/gather.pptx
+++ b/module15-gathering-and-spreading/gather.pptx
@@ -5,7 +5,7 @@
     <p:sldMasterId id="2147483648" r:id="rId1"/>
   </p:sldMasterIdLst>
   <p:notesMasterIdLst>
-    <p:NotesMasterId r:id="rId16"/>
+    <p:NotesMasterId r:id="rId24"/>
   </p:notesMasterIdLst>
   <p:sldIdLst>
     <p:sldId id="256" r:id="rId2"/>
@@ -22,6 +22,14 @@
     <p:sldId id="267" r:id="rId13"/>
     <p:sldId id="268" r:id="rId14"/>
     <p:sldId id="269" r:id="rId15"/>
+    <p:sldId id="270" r:id="rId16"/>
+    <p:sldId id="271" r:id="rId17"/>
+    <p:sldId id="272" r:id="rId18"/>
+    <p:sldId id="273" r:id="rId19"/>
+    <p:sldId id="274" r:id="rId20"/>
+    <p:sldId id="275" r:id="rId21"/>
+    <p:sldId id="276" r:id="rId22"/>
+    <p:sldId id="277" r:id="rId23"/>
   </p:sldIdLst>
   <p:sldSz cx="9144000" cy="6858000" type="screen4x3"/>
   <p:notesSz cx="6858000" cy="9144000"/>
@@ -1732,7 +1740,7 @@
           <a:p>
             <a:fld id="{18BDFEC3-8487-43E8-A154-7C12CBC1FFF2}" type="slidenum">
               <a:rPr lang="en-US"/>
-              <a:t>9</a:t>
+              <a:t>8</a:t>
             </a:fld>
             <a:endParaRPr lang="en-US"/>
           </a:p>
@@ -1870,7 +1878,7 @@
           <a:p>
             <a:fld id="{18BDFEC3-8487-43E8-A154-7C12CBC1FFF2}" type="slidenum">
               <a:rPr lang="en-US"/>
-              <a:t>11</a:t>
+              <a:t>10</a:t>
             </a:fld>
             <a:endParaRPr lang="en-US"/>
           </a:p>
@@ -4902,31 +4910,15 @@
             </a:r>
             <a:r>
               <a:rPr/>
-              <a:t>into</a:t>
-            </a:r>
-            <a:r>
-              <a:rPr/>
-              <a:t> </a:t>
-            </a:r>
-            <a:r>
-              <a:rPr/>
-              <a:t>a</a:t>
-            </a:r>
-            <a:r>
-              <a:rPr/>
-              <a:t> </a:t>
-            </a:r>
-            <a:r>
-              <a:rPr/>
-              <a:t>single</a:t>
-            </a:r>
-            <a:r>
-              <a:rPr/>
-              <a:t> </a:t>
-            </a:r>
-            <a:r>
-              <a:rPr/>
-              <a:t>column</a:t>
+              <a:t>and</a:t>
+            </a:r>
+            <a:r>
+              <a:rPr/>
+              <a:t> </a:t>
+            </a:r>
+            <a:r>
+              <a:rPr/>
+              <a:t>spreading</a:t>
             </a:r>
           </a:p>
         </p:txBody>
@@ -5125,7 +5117,7 @@
             <a:pPr lvl="1"/>
             <a:r>
               <a:rPr/>
-              <a:t>SQL code</a:t>
+              <a:t>Output</a:t>
             </a:r>
           </a:p>
           <a:p>
@@ -5136,12 +5128,29 @@
               <a:rPr sz="1800">
                 <a:latin typeface="Courier"/>
               </a:rPr>
-              <a:t>select *
-  from ch_table
-  order by patient, day
-  limit 10
-select count(*) as n_records
-   from ch_table</a:t>
+              <a:t>##    patient day cholest
+## 1        1   2     270
+## 2        1  14     156
+## 3        2   2     236
+## 4        3   2     210
+## 5        3  14     242
+## 6        4   2     142
+## 7        5   2     280
+## 8        6   2     272
+## 9        6  14     256
+## 10       7   2     160</a:t>
+            </a:r>
+          </a:p>
+          <a:p>
+            <a:pPr lvl="0" marL="1270000" indent="0">
+              <a:buNone/>
+            </a:pPr>
+            <a:r>
+              <a:rPr sz="1800">
+                <a:latin typeface="Courier"/>
+              </a:rPr>
+              <a:t>##   n_records
+## 1        47</a:t>
             </a:r>
           </a:p>
         </p:txBody>
@@ -5196,7 +5205,7 @@
             </a:r>
             <a:r>
               <a:rPr/>
-              <a:t>listing</a:t>
+              <a:t>count</a:t>
             </a:r>
             <a:r>
               <a:rPr/>
@@ -5212,15 +5221,7 @@
             </a:r>
             <a:r>
               <a:rPr/>
-              <a:t>original</a:t>
-            </a:r>
-            <a:r>
-              <a:rPr/>
-              <a:t> </a:t>
-            </a:r>
-            <a:r>
-              <a:rPr/>
-              <a:t>table</a:t>
+              <a:t>days</a:t>
             </a:r>
           </a:p>
         </p:txBody>
@@ -5243,7 +5244,7 @@
             <a:pPr lvl="1"/>
             <a:r>
               <a:rPr/>
-              <a:t>Output</a:t>
+              <a:t>SQL code</a:t>
             </a:r>
           </a:p>
           <a:p>
@@ -5254,17 +5255,16 @@
               <a:rPr sz="1800">
                 <a:latin typeface="Courier"/>
               </a:rPr>
-              <a:t>##    patient day cholest
-## 1        1   2     270
-## 2        1  14     156
-## 3        2   2     236
-## 4        3   2     210
-## 5        3  14     242
-## 6        4   2     142
-## 7        5   2     280
-## 8        6   2     272
-## 9        6  14     256
-## 10       7   2     160</a:t>
+              <a:t>select day, count(day) as n_days
+  from ch_table
+  group by day</a:t>
+            </a:r>
+          </a:p>
+          <a:p>
+            <a:pPr lvl="1"/>
+            <a:r>
+              <a:rPr/>
+              <a:t>Output</a:t>
             </a:r>
           </a:p>
           <a:p>
@@ -5275,8 +5275,9 @@
               <a:rPr sz="1800">
                 <a:latin typeface="Courier"/>
               </a:rPr>
-              <a:t>##   n_records
-## 1        47</a:t>
+              <a:t>##   day n_days
+## 1   2     28
+## 2  14     19</a:t>
             </a:r>
           </a:p>
         </p:txBody>
@@ -5323,31 +5324,31 @@
             </a:pPr>
             <a:r>
               <a:rPr/>
-              <a:t>cholestg_1_db,</a:t>
-            </a:r>
-            <a:r>
-              <a:rPr/>
-              <a:t> </a:t>
-            </a:r>
-            <a:r>
-              <a:rPr/>
-              <a:t>count</a:t>
-            </a:r>
-            <a:r>
-              <a:rPr/>
-              <a:t> </a:t>
-            </a:r>
-            <a:r>
-              <a:rPr/>
-              <a:t>of</a:t>
-            </a:r>
-            <a:r>
-              <a:rPr/>
-              <a:t> </a:t>
-            </a:r>
-            <a:r>
-              <a:rPr/>
-              <a:t>days</a:t>
+              <a:t>Spreading</a:t>
+            </a:r>
+            <a:r>
+              <a:rPr/>
+              <a:t> </a:t>
+            </a:r>
+            <a:r>
+              <a:rPr/>
+              <a:t>across</a:t>
+            </a:r>
+            <a:r>
+              <a:rPr/>
+              <a:t> </a:t>
+            </a:r>
+            <a:r>
+              <a:rPr/>
+              <a:t>multiple</a:t>
+            </a:r>
+            <a:r>
+              <a:rPr/>
+              <a:t> </a:t>
+            </a:r>
+            <a:r>
+              <a:rPr/>
+              <a:t>columns</a:t>
             </a:r>
           </a:p>
         </p:txBody>
@@ -5381,29 +5382,14 @@
               <a:rPr sz="1800">
                 <a:latin typeface="Courier"/>
               </a:rPr>
-              <a:t>select day, count(day) as n_days
-  from ch_table
-  group by day</a:t>
-            </a:r>
-          </a:p>
-          <a:p>
-            <a:pPr lvl="1"/>
-            <a:r>
-              <a:rPr/>
-              <a:t>Output</a:t>
-            </a:r>
-          </a:p>
-          <a:p>
-            <a:pPr lvl="0" marL="1270000" indent="0">
-              <a:buNone/>
-            </a:pPr>
-            <a:r>
-              <a:rPr sz="1800">
-                <a:latin typeface="Courier"/>
-              </a:rPr>
-              <a:t>##   day n_days
-## 1   2     28
-## 2  14     19</a:t>
+              <a:t>select d2.patient, d2.cholest as chol02, 
+  d14.cholest as chol14
+  from ch_table as d2
+  left join ch_table as d14
+  on d2.patient=d14.patient
+  where d2.day=2 and d14.day=14
+  limit 10
+</a:t>
             </a:r>
           </a:p>
         </p:txBody>
@@ -5452,6 +5438,30 @@
               <a:rPr/>
               <a:t>Spreading</a:t>
             </a:r>
+            <a:r>
+              <a:rPr/>
+              <a:t> </a:t>
+            </a:r>
+            <a:r>
+              <a:rPr/>
+              <a:t>across</a:t>
+            </a:r>
+            <a:r>
+              <a:rPr/>
+              <a:t> </a:t>
+            </a:r>
+            <a:r>
+              <a:rPr/>
+              <a:t>multiple</a:t>
+            </a:r>
+            <a:r>
+              <a:rPr/>
+              <a:t> </a:t>
+            </a:r>
+            <a:r>
+              <a:rPr/>
+              <a:t>columns</a:t>
+            </a:r>
           </a:p>
         </p:txBody>
       </p:sp>
@@ -5473,7 +5483,7 @@
             <a:pPr lvl="1"/>
             <a:r>
               <a:rPr/>
-              <a:t>SQL code</a:t>
+              <a:t>Output</a:t>
             </a:r>
           </a:p>
           <a:p>
@@ -5484,14 +5494,17 @@
               <a:rPr sz="1800">
                 <a:latin typeface="Courier"/>
               </a:rPr>
-              <a:t>select d2.patient, d2.cholest as chol02, 
-  d14.cholest as chol14
-  from ch_table as d2
-  left join ch_table as d14
-  on d2.patient=d14.patient
-  where d2.day=2 and d14.day=14
-  limit 10
-</a:t>
+              <a:t>##    patient chol02 chol14
+## 1        1    270    156
+## 2        3    210    242
+## 3        6    272    256
+## 4        7    160    142
+## 5        8    220    216
+## 6        9    226    248
+## 7       11    186    168
+## 8       12    266    236
+## 9       14    318    200
+## 10      15    294    264</a:t>
             </a:r>
           </a:p>
         </p:txBody>
@@ -5540,6 +5553,174 @@
               <a:rPr/>
               <a:t>Spreading</a:t>
             </a:r>
+            <a:r>
+              <a:rPr/>
+              <a:t> </a:t>
+            </a:r>
+            <a:r>
+              <a:rPr/>
+              <a:t>across</a:t>
+            </a:r>
+            <a:r>
+              <a:rPr/>
+              <a:t> </a:t>
+            </a:r>
+            <a:r>
+              <a:rPr/>
+              <a:t>multiple</a:t>
+            </a:r>
+            <a:r>
+              <a:rPr/>
+              <a:t> </a:t>
+            </a:r>
+            <a:r>
+              <a:rPr/>
+              <a:t>columns,</a:t>
+            </a:r>
+            <a:r>
+              <a:rPr/>
+              <a:t> </a:t>
+            </a:r>
+            <a:r>
+              <a:rPr/>
+              <a:t>Take</a:t>
+            </a:r>
+            <a:r>
+              <a:rPr/>
+              <a:t> </a:t>
+            </a:r>
+            <a:r>
+              <a:rPr/>
+              <a:t>2</a:t>
+            </a:r>
+          </a:p>
+        </p:txBody>
+      </p:sp>
+      <p:sp>
+        <p:nvSpPr>
+          <p:cNvPr id="3" name="Content Placeholder 2"/>
+          <p:cNvSpPr>
+            <a:spLocks noGrp="1"/>
+          </p:cNvSpPr>
+          <p:nvPr>
+            <p:ph idx="1"/>
+          </p:nvPr>
+        </p:nvSpPr>
+        <p:spPr/>
+        <p:txBody>
+          <a:bodyPr/>
+          <a:lstStyle/>
+          <a:p>
+            <a:pPr lvl="1"/>
+            <a:r>
+              <a:rPr/>
+              <a:t>SQL code</a:t>
+            </a:r>
+          </a:p>
+          <a:p>
+            <a:pPr lvl="0" marL="1270000" indent="0">
+              <a:buNone/>
+            </a:pPr>
+            <a:r>
+              <a:rPr sz="1800">
+                <a:latin typeface="Courier"/>
+              </a:rPr>
+              <a:t>select d2.patient, d2.cholest as chol02, 
+  d14.cholest as chol14
+  from ch_table as d2
+  left join ch_table as d14
+  on d2.patient=d14.patient and 
+    d2.day=2 and d14.day=14
+  limit 10
+</a:t>
+            </a:r>
+          </a:p>
+        </p:txBody>
+      </p:sp>
+    </p:spTree>
+  </p:cSld>
+</p:sld>
+</file>
+
+<file path=ppt/slides/slide15.xml><?xml version="1.0" encoding="utf-8"?>
+<p:sld xmlns:a="http://schemas.openxmlformats.org/drawingml/2006/main" xmlns:r="http://schemas.openxmlformats.org/officeDocument/2006/relationships" xmlns:p="http://schemas.openxmlformats.org/presentationml/2006/main">
+  <p:cSld>
+    <p:spTree>
+      <p:nvGrpSpPr>
+        <p:cNvPr id="1" name=""/>
+        <p:cNvGrpSpPr/>
+        <p:nvPr/>
+      </p:nvGrpSpPr>
+      <p:grpSpPr>
+        <a:xfrm>
+          <a:off x="0" y="0"/>
+          <a:ext cx="0" cy="0"/>
+          <a:chOff x="0" y="0"/>
+          <a:chExt cx="0" cy="0"/>
+        </a:xfrm>
+      </p:grpSpPr>
+      <p:sp>
+        <p:nvSpPr>
+          <p:cNvPr id="2" name="Title 1"/>
+          <p:cNvSpPr>
+            <a:spLocks noGrp="1"/>
+          </p:cNvSpPr>
+          <p:nvPr>
+            <p:ph type="title"/>
+          </p:nvPr>
+        </p:nvSpPr>
+        <p:spPr/>
+        <p:txBody>
+          <a:bodyPr/>
+          <a:lstStyle/>
+          <a:p>
+            <a:pPr lvl="0" marL="0" indent="0">
+              <a:buNone/>
+            </a:pPr>
+            <a:r>
+              <a:rPr/>
+              <a:t>Spreading</a:t>
+            </a:r>
+            <a:r>
+              <a:rPr/>
+              <a:t> </a:t>
+            </a:r>
+            <a:r>
+              <a:rPr/>
+              <a:t>across</a:t>
+            </a:r>
+            <a:r>
+              <a:rPr/>
+              <a:t> </a:t>
+            </a:r>
+            <a:r>
+              <a:rPr/>
+              <a:t>multiple</a:t>
+            </a:r>
+            <a:r>
+              <a:rPr/>
+              <a:t> </a:t>
+            </a:r>
+            <a:r>
+              <a:rPr/>
+              <a:t>columns,</a:t>
+            </a:r>
+            <a:r>
+              <a:rPr/>
+              <a:t> </a:t>
+            </a:r>
+            <a:r>
+              <a:rPr/>
+              <a:t>Take</a:t>
+            </a:r>
+            <a:r>
+              <a:rPr/>
+              <a:t> </a:t>
+            </a:r>
+            <a:r>
+              <a:rPr/>
+              <a:t>2</a:t>
+            </a:r>
           </a:p>
         </p:txBody>
       </p:sp>
@@ -5574,15 +5755,456 @@
               </a:rPr>
               <a:t>##    patient chol02 chol14
 ## 1        1    270    156
-## 2        3    210    242
-## 3        6    272    256
-## 4        7    160    142
-## 5        8    220    216
-## 6        9    226    248
-## 7       11    186    168
-## 8       12    266    236
-## 9       14    318    200
-## 10      15    294    264</a:t>
+## 2        2    236     NA
+## 3        3    210    242
+## 4        4    142     NA
+## 5        5    280     NA
+## 6        6    272    256
+## 7        7    160    142
+## 8        8    220    216
+## 9        9    226    248
+## 10      10    242     NA</a:t>
+            </a:r>
+          </a:p>
+        </p:txBody>
+      </p:sp>
+    </p:spTree>
+  </p:cSld>
+</p:sld>
+</file>
+
+<file path=ppt/slides/slide16.xml><?xml version="1.0" encoding="utf-8"?>
+<p:sld xmlns:a="http://schemas.openxmlformats.org/drawingml/2006/main" xmlns:r="http://schemas.openxmlformats.org/officeDocument/2006/relationships" xmlns:p="http://schemas.openxmlformats.org/presentationml/2006/main">
+  <p:cSld>
+    <p:spTree>
+      <p:nvGrpSpPr>
+        <p:cNvPr id="1" name=""/>
+        <p:cNvGrpSpPr/>
+        <p:nvPr/>
+      </p:nvGrpSpPr>
+      <p:grpSpPr>
+        <a:xfrm>
+          <a:off x="0" y="0"/>
+          <a:ext cx="0" cy="0"/>
+          <a:chOff x="0" y="0"/>
+          <a:chExt cx="0" cy="0"/>
+        </a:xfrm>
+      </p:grpSpPr>
+      <p:sp>
+        <p:nvSpPr>
+          <p:cNvPr id="2" name="Title 1"/>
+          <p:cNvSpPr>
+            <a:spLocks noGrp="1"/>
+          </p:cNvSpPr>
+          <p:nvPr>
+            <p:ph type="title"/>
+          </p:nvPr>
+        </p:nvSpPr>
+        <p:spPr/>
+        <p:txBody>
+          <a:bodyPr/>
+          <a:lstStyle/>
+          <a:p>
+            <a:pPr lvl="0" marL="0" indent="0">
+              <a:buNone/>
+            </a:pPr>
+            <a:r>
+              <a:rPr/>
+              <a:t>Entity-Attribute-Value</a:t>
+            </a:r>
+            <a:r>
+              <a:rPr/>
+              <a:t> </a:t>
+            </a:r>
+            <a:r>
+              <a:rPr/>
+              <a:t>format</a:t>
+            </a:r>
+          </a:p>
+        </p:txBody>
+      </p:sp>
+      <p:sp>
+        <p:nvSpPr>
+          <p:cNvPr id="3" name="Content Placeholder 2"/>
+          <p:cNvSpPr>
+            <a:spLocks noGrp="1"/>
+          </p:cNvSpPr>
+          <p:nvPr>
+            <p:ph idx="1"/>
+          </p:nvPr>
+        </p:nvSpPr>
+        <p:spPr/>
+        <p:txBody>
+          <a:bodyPr/>
+          <a:lstStyle/>
+          <a:p>
+            <a:pPr lvl="0" marL="1270000" indent="0">
+              <a:buNone/>
+            </a:pPr>
+            <a:r>
+              <a:rPr sz="1800">
+                <a:latin typeface="Courier"/>
+              </a:rPr>
+              <a:t>##    entity attribute  value
+## 1       1       age  9.000
+## 2       1       fev  1.708
+## 3       1        ht 57.000
+## 4       1       sex  0.000
+## 5       1     smoke  0.000
+## 6       2       age  8.000
+## 7       2       fev  1.724
+## 8       2        ht 67.500
+## 9       2       sex  0.000
+## 10      2     smoke  0.000
+## 11      3       age  7.000
+## 12      3       fev  1.720</a:t>
+            </a:r>
+          </a:p>
+        </p:txBody>
+      </p:sp>
+    </p:spTree>
+  </p:cSld>
+</p:sld>
+</file>
+
+<file path=ppt/slides/slide17.xml><?xml version="1.0" encoding="utf-8"?>
+<p:sld xmlns:a="http://schemas.openxmlformats.org/drawingml/2006/main" xmlns:r="http://schemas.openxmlformats.org/officeDocument/2006/relationships" xmlns:p="http://schemas.openxmlformats.org/presentationml/2006/main">
+  <p:cSld>
+    <p:spTree>
+      <p:nvGrpSpPr>
+        <p:cNvPr id="1" name=""/>
+        <p:cNvGrpSpPr/>
+        <p:nvPr/>
+      </p:nvGrpSpPr>
+      <p:grpSpPr>
+        <a:xfrm>
+          <a:off x="0" y="0"/>
+          <a:ext cx="0" cy="0"/>
+          <a:chOff x="0" y="0"/>
+          <a:chExt cx="0" cy="0"/>
+        </a:xfrm>
+      </p:grpSpPr>
+      <p:sp>
+        <p:nvSpPr>
+          <p:cNvPr id="2" name="Title 1"/>
+          <p:cNvSpPr>
+            <a:spLocks noGrp="1"/>
+          </p:cNvSpPr>
+          <p:nvPr>
+            <p:ph type="title"/>
+          </p:nvPr>
+        </p:nvSpPr>
+        <p:spPr/>
+        <p:txBody>
+          <a:bodyPr/>
+          <a:lstStyle/>
+          <a:p>
+            <a:pPr lvl="0" marL="0" indent="0">
+              <a:buNone/>
+            </a:pPr>
+            <a:r>
+              <a:rPr/>
+              <a:t>Advantages</a:t>
+            </a:r>
+            <a:r>
+              <a:rPr/>
+              <a:t> </a:t>
+            </a:r>
+            <a:r>
+              <a:rPr/>
+              <a:t>of</a:t>
+            </a:r>
+            <a:r>
+              <a:rPr/>
+              <a:t> </a:t>
+            </a:r>
+            <a:r>
+              <a:rPr/>
+              <a:t>Entity-Attribute-Value</a:t>
+            </a:r>
+            <a:r>
+              <a:rPr/>
+              <a:t> </a:t>
+            </a:r>
+            <a:r>
+              <a:rPr/>
+              <a:t>format</a:t>
+            </a:r>
+          </a:p>
+        </p:txBody>
+      </p:sp>
+      <p:sp>
+        <p:nvSpPr>
+          <p:cNvPr id="3" name="Content Placeholder 2"/>
+          <p:cNvSpPr>
+            <a:spLocks noGrp="1"/>
+          </p:cNvSpPr>
+          <p:nvPr>
+            <p:ph idx="1"/>
+          </p:nvPr>
+        </p:nvSpPr>
+        <p:spPr/>
+        <p:txBody>
+          <a:bodyPr/>
+          <a:lstStyle/>
+          <a:p>
+            <a:pPr lvl="1"/>
+            <a:r>
+              <a:rPr/>
+              <a:t>Universal format</a:t>
+            </a:r>
+          </a:p>
+          <a:p>
+            <a:pPr lvl="1"/>
+            <a:r>
+              <a:rPr/>
+              <a:t>Easy to add fields</a:t>
+            </a:r>
+          </a:p>
+          <a:p>
+            <a:pPr lvl="1"/>
+            <a:r>
+              <a:rPr/>
+              <a:t>Ideal for sparse matrices</a:t>
+            </a:r>
+          </a:p>
+          <a:p>
+            <a:pPr lvl="2"/>
+            <a:r>
+              <a:rPr/>
+              <a:t>Sparse: most entries are zero</a:t>
+            </a:r>
+          </a:p>
+        </p:txBody>
+      </p:sp>
+    </p:spTree>
+  </p:cSld>
+</p:sld>
+</file>
+
+<file path=ppt/slides/slide18.xml><?xml version="1.0" encoding="utf-8"?>
+<p:sld xmlns:a="http://schemas.openxmlformats.org/drawingml/2006/main" xmlns:r="http://schemas.openxmlformats.org/officeDocument/2006/relationships" xmlns:p="http://schemas.openxmlformats.org/presentationml/2006/main">
+  <p:cSld>
+    <p:spTree>
+      <p:nvGrpSpPr>
+        <p:cNvPr id="1" name=""/>
+        <p:cNvGrpSpPr/>
+        <p:nvPr/>
+      </p:nvGrpSpPr>
+      <p:grpSpPr>
+        <a:xfrm>
+          <a:off x="0" y="0"/>
+          <a:ext cx="0" cy="0"/>
+          <a:chOff x="0" y="0"/>
+          <a:chExt cx="0" cy="0"/>
+        </a:xfrm>
+      </p:grpSpPr>
+      <p:sp>
+        <p:nvSpPr>
+          <p:cNvPr id="2" name="Title 1"/>
+          <p:cNvSpPr>
+            <a:spLocks noGrp="1"/>
+          </p:cNvSpPr>
+          <p:nvPr>
+            <p:ph type="title"/>
+          </p:nvPr>
+        </p:nvSpPr>
+        <p:spPr/>
+        <p:txBody>
+          <a:bodyPr/>
+          <a:lstStyle/>
+          <a:p>
+            <a:pPr lvl="0" marL="0" indent="0">
+              <a:buNone/>
+            </a:pPr>
+            <a:r>
+              <a:rPr/>
+              <a:t>Spreading</a:t>
+            </a:r>
+            <a:r>
+              <a:rPr/>
+              <a:t> </a:t>
+            </a:r>
+            <a:r>
+              <a:rPr/>
+              <a:t>the</a:t>
+            </a:r>
+            <a:r>
+              <a:rPr/>
+              <a:t> </a:t>
+            </a:r>
+            <a:r>
+              <a:rPr/>
+              <a:t>EAV</a:t>
+            </a:r>
+            <a:r>
+              <a:rPr/>
+              <a:t> </a:t>
+            </a:r>
+            <a:r>
+              <a:rPr/>
+              <a:t>format</a:t>
+            </a:r>
+          </a:p>
+        </p:txBody>
+      </p:sp>
+      <p:sp>
+        <p:nvSpPr>
+          <p:cNvPr id="3" name="Content Placeholder 2"/>
+          <p:cNvSpPr>
+            <a:spLocks noGrp="1"/>
+          </p:cNvSpPr>
+          <p:nvPr>
+            <p:ph idx="1"/>
+          </p:nvPr>
+        </p:nvSpPr>
+        <p:spPr/>
+        <p:txBody>
+          <a:bodyPr/>
+          <a:lstStyle/>
+          <a:p>
+            <a:pPr lvl="1"/>
+            <a:r>
+              <a:rPr/>
+              <a:t>SQL code</a:t>
+            </a:r>
+          </a:p>
+          <a:p>
+            <a:pPr lvl="0" marL="1270000" indent="0">
+              <a:buNone/>
+            </a:pPr>
+            <a:r>
+              <a:rPr sz="1800">
+                <a:latin typeface="Courier"/>
+              </a:rPr>
+              <a:t>select 
+  d1.entity, 
+  d1.value as age, 
+  d2.value as fev, 
+  d3.value as ht, 
+  d4.value as sex,
+  d5.value as smoke
+  from eav_table as d1
+inner join eav_table as d2
+  on d1.attribute='age' and 
+     d2.attribute='fev' and 
+     d1.entity=d2.entity
+</a:t>
+            </a:r>
+          </a:p>
+        </p:txBody>
+      </p:sp>
+    </p:spTree>
+  </p:cSld>
+</p:sld>
+</file>
+
+<file path=ppt/slides/slide19.xml><?xml version="1.0" encoding="utf-8"?>
+<p:sld xmlns:a="http://schemas.openxmlformats.org/drawingml/2006/main" xmlns:r="http://schemas.openxmlformats.org/officeDocument/2006/relationships" xmlns:p="http://schemas.openxmlformats.org/presentationml/2006/main">
+  <p:cSld>
+    <p:spTree>
+      <p:nvGrpSpPr>
+        <p:cNvPr id="1" name=""/>
+        <p:cNvGrpSpPr/>
+        <p:nvPr/>
+      </p:nvGrpSpPr>
+      <p:grpSpPr>
+        <a:xfrm>
+          <a:off x="0" y="0"/>
+          <a:ext cx="0" cy="0"/>
+          <a:chOff x="0" y="0"/>
+          <a:chExt cx="0" cy="0"/>
+        </a:xfrm>
+      </p:grpSpPr>
+      <p:sp>
+        <p:nvSpPr>
+          <p:cNvPr id="2" name="Title 1"/>
+          <p:cNvSpPr>
+            <a:spLocks noGrp="1"/>
+          </p:cNvSpPr>
+          <p:nvPr>
+            <p:ph type="title"/>
+          </p:nvPr>
+        </p:nvSpPr>
+        <p:spPr/>
+        <p:txBody>
+          <a:bodyPr/>
+          <a:lstStyle/>
+          <a:p>
+            <a:pPr lvl="0" marL="0" indent="0">
+              <a:buNone/>
+            </a:pPr>
+            <a:r>
+              <a:rPr/>
+              <a:t>Spreading</a:t>
+            </a:r>
+            <a:r>
+              <a:rPr/>
+              <a:t> </a:t>
+            </a:r>
+            <a:r>
+              <a:rPr/>
+              <a:t>the</a:t>
+            </a:r>
+            <a:r>
+              <a:rPr/>
+              <a:t> </a:t>
+            </a:r>
+            <a:r>
+              <a:rPr/>
+              <a:t>EAV</a:t>
+            </a:r>
+            <a:r>
+              <a:rPr/>
+              <a:t> </a:t>
+            </a:r>
+            <a:r>
+              <a:rPr/>
+              <a:t>format</a:t>
+            </a:r>
+          </a:p>
+        </p:txBody>
+      </p:sp>
+      <p:sp>
+        <p:nvSpPr>
+          <p:cNvPr id="3" name="Content Placeholder 2"/>
+          <p:cNvSpPr>
+            <a:spLocks noGrp="1"/>
+          </p:cNvSpPr>
+          <p:nvPr>
+            <p:ph idx="1"/>
+          </p:nvPr>
+        </p:nvSpPr>
+        <p:spPr/>
+        <p:txBody>
+          <a:bodyPr/>
+          <a:lstStyle/>
+          <a:p>
+            <a:pPr lvl="1"/>
+            <a:r>
+              <a:rPr/>
+              <a:t>SQL code, continued</a:t>
+            </a:r>
+          </a:p>
+          <a:p>
+            <a:pPr lvl="0" marL="1270000" indent="0">
+              <a:buNone/>
+            </a:pPr>
+            <a:r>
+              <a:rPr sz="1800">
+                <a:latin typeface="Courier"/>
+              </a:rPr>
+              <a:t>inner join eav_table as d3
+  on d3.attribute='ht' and 
+     d1.entity=d3.entity
+inner join eav_table as d4
+  on d4.attribute='sex' and 
+     d1.entity=d4.entity
+inner join eav_table as d5
+  on d5.attribute='sex' and 
+     d1.entity=d5.entity
+  limit 10
+</a:t>
             </a:r>
           </a:p>
         </p:txBody>
@@ -5747,6 +6369,349 @@
 </p:sld>
 </file>
 
+<file path=ppt/slides/slide20.xml><?xml version="1.0" encoding="utf-8"?>
+<p:sld xmlns:a="http://schemas.openxmlformats.org/drawingml/2006/main" xmlns:r="http://schemas.openxmlformats.org/officeDocument/2006/relationships" xmlns:p="http://schemas.openxmlformats.org/presentationml/2006/main">
+  <p:cSld>
+    <p:spTree>
+      <p:nvGrpSpPr>
+        <p:cNvPr id="1" name=""/>
+        <p:cNvGrpSpPr/>
+        <p:nvPr/>
+      </p:nvGrpSpPr>
+      <p:grpSpPr>
+        <a:xfrm>
+          <a:off x="0" y="0"/>
+          <a:ext cx="0" cy="0"/>
+          <a:chOff x="0" y="0"/>
+          <a:chExt cx="0" cy="0"/>
+        </a:xfrm>
+      </p:grpSpPr>
+      <p:sp>
+        <p:nvSpPr>
+          <p:cNvPr id="2" name="Title 1"/>
+          <p:cNvSpPr>
+            <a:spLocks noGrp="1"/>
+          </p:cNvSpPr>
+          <p:nvPr>
+            <p:ph type="title"/>
+          </p:nvPr>
+        </p:nvSpPr>
+        <p:spPr/>
+        <p:txBody>
+          <a:bodyPr/>
+          <a:lstStyle/>
+          <a:p>
+            <a:pPr lvl="0" marL="0" indent="0">
+              <a:buNone/>
+            </a:pPr>
+            <a:r>
+              <a:rPr/>
+              <a:t>Spreading</a:t>
+            </a:r>
+            <a:r>
+              <a:rPr/>
+              <a:t> </a:t>
+            </a:r>
+            <a:r>
+              <a:rPr/>
+              <a:t>the</a:t>
+            </a:r>
+            <a:r>
+              <a:rPr/>
+              <a:t> </a:t>
+            </a:r>
+            <a:r>
+              <a:rPr/>
+              <a:t>EAV</a:t>
+            </a:r>
+            <a:r>
+              <a:rPr/>
+              <a:t> </a:t>
+            </a:r>
+            <a:r>
+              <a:rPr/>
+              <a:t>format</a:t>
+            </a:r>
+          </a:p>
+        </p:txBody>
+      </p:sp>
+      <p:sp>
+        <p:nvSpPr>
+          <p:cNvPr id="3" name="Content Placeholder 2"/>
+          <p:cNvSpPr>
+            <a:spLocks noGrp="1"/>
+          </p:cNvSpPr>
+          <p:nvPr>
+            <p:ph idx="1"/>
+          </p:nvPr>
+        </p:nvSpPr>
+        <p:spPr/>
+        <p:txBody>
+          <a:bodyPr/>
+          <a:lstStyle/>
+          <a:p>
+            <a:pPr lvl="1"/>
+            <a:r>
+              <a:rPr/>
+              <a:t>Output</a:t>
+            </a:r>
+          </a:p>
+          <a:p>
+            <a:pPr lvl="0" marL="1270000" indent="0">
+              <a:buNone/>
+            </a:pPr>
+            <a:r>
+              <a:rPr sz="1800">
+                <a:latin typeface="Courier"/>
+              </a:rPr>
+              <a:t>##    entity age   fev   ht sex smoke
+## 1       1   9 1.708 57.0   0     0
+## 2       2   8 1.724 67.5   0     0
+## 3       3   7 1.720 54.5   0     0
+## 4       4   9 1.558 53.0   1     1
+## 5       5   9 1.895 57.0   1     1
+## 6       6   8 2.336 61.0   0     0
+## 7       7   6 1.919 58.0   0     0
+## 8       8   6 1.415 56.0   0     0
+## 9       9   8 1.987 58.5   0     0
+## 10     10   9 1.942 60.0   0     0</a:t>
+            </a:r>
+          </a:p>
+        </p:txBody>
+      </p:sp>
+    </p:spTree>
+  </p:cSld>
+</p:sld>
+</file>
+
+<file path=ppt/slides/slide21.xml><?xml version="1.0" encoding="utf-8"?>
+<p:sld xmlns:a="http://schemas.openxmlformats.org/drawingml/2006/main" xmlns:r="http://schemas.openxmlformats.org/officeDocument/2006/relationships" xmlns:p="http://schemas.openxmlformats.org/presentationml/2006/main">
+  <p:cSld>
+    <p:spTree>
+      <p:nvGrpSpPr>
+        <p:cNvPr id="1" name=""/>
+        <p:cNvGrpSpPr/>
+        <p:nvPr/>
+      </p:nvGrpSpPr>
+      <p:grpSpPr>
+        <a:xfrm>
+          <a:off x="0" y="0"/>
+          <a:ext cx="0" cy="0"/>
+          <a:chOff x="0" y="0"/>
+          <a:chExt cx="0" cy="0"/>
+        </a:xfrm>
+      </p:grpSpPr>
+      <p:sp>
+        <p:nvSpPr>
+          <p:cNvPr id="2" name="Title 1"/>
+          <p:cNvSpPr>
+            <a:spLocks noGrp="1"/>
+          </p:cNvSpPr>
+          <p:nvPr>
+            <p:ph type="title"/>
+          </p:nvPr>
+        </p:nvSpPr>
+        <p:spPr/>
+        <p:txBody>
+          <a:bodyPr/>
+          <a:lstStyle/>
+          <a:p>
+            <a:pPr lvl="0" marL="0" indent="0">
+              <a:buNone/>
+            </a:pPr>
+            <a:r>
+              <a:rPr/>
+              <a:t>Spreading</a:t>
+            </a:r>
+            <a:r>
+              <a:rPr/>
+              <a:t> </a:t>
+            </a:r>
+            <a:r>
+              <a:rPr/>
+              <a:t>the</a:t>
+            </a:r>
+            <a:r>
+              <a:rPr/>
+              <a:t> </a:t>
+            </a:r>
+            <a:r>
+              <a:rPr/>
+              <a:t>EAV</a:t>
+            </a:r>
+            <a:r>
+              <a:rPr/>
+              <a:t> </a:t>
+            </a:r>
+            <a:r>
+              <a:rPr/>
+              <a:t>format</a:t>
+            </a:r>
+          </a:p>
+        </p:txBody>
+      </p:sp>
+      <p:sp>
+        <p:nvSpPr>
+          <p:cNvPr id="3" name="Content Placeholder 2"/>
+          <p:cNvSpPr>
+            <a:spLocks noGrp="1"/>
+          </p:cNvSpPr>
+          <p:nvPr>
+            <p:ph idx="1"/>
+          </p:nvPr>
+        </p:nvSpPr>
+        <p:spPr/>
+        <p:txBody>
+          <a:bodyPr/>
+          <a:lstStyle/>
+          <a:p>
+            <a:pPr lvl="1"/>
+            <a:r>
+              <a:rPr/>
+              <a:t>SQL code</a:t>
+            </a:r>
+          </a:p>
+          <a:p>
+            <a:pPr lvl="0" marL="1270000" indent="0">
+              <a:buNone/>
+            </a:pPr>
+            <a:r>
+              <a:rPr sz="1800">
+                <a:latin typeface="Courier"/>
+              </a:rPr>
+              <a:t>select 
+  entity, value as age
+  from eav_table
+  where entity in (
+    select entity from eav_table
+    where attribute='smoke' and value=1
+  ) and attribute='age'
+limit 10
+</a:t>
+            </a:r>
+          </a:p>
+        </p:txBody>
+      </p:sp>
+    </p:spTree>
+  </p:cSld>
+</p:sld>
+</file>
+
+<file path=ppt/slides/slide22.xml><?xml version="1.0" encoding="utf-8"?>
+<p:sld xmlns:a="http://schemas.openxmlformats.org/drawingml/2006/main" xmlns:r="http://schemas.openxmlformats.org/officeDocument/2006/relationships" xmlns:p="http://schemas.openxmlformats.org/presentationml/2006/main">
+  <p:cSld>
+    <p:spTree>
+      <p:nvGrpSpPr>
+        <p:cNvPr id="1" name=""/>
+        <p:cNvGrpSpPr/>
+        <p:nvPr/>
+      </p:nvGrpSpPr>
+      <p:grpSpPr>
+        <a:xfrm>
+          <a:off x="0" y="0"/>
+          <a:ext cx="0" cy="0"/>
+          <a:chOff x="0" y="0"/>
+          <a:chExt cx="0" cy="0"/>
+        </a:xfrm>
+      </p:grpSpPr>
+      <p:sp>
+        <p:nvSpPr>
+          <p:cNvPr id="2" name="Title 1"/>
+          <p:cNvSpPr>
+            <a:spLocks noGrp="1"/>
+          </p:cNvSpPr>
+          <p:nvPr>
+            <p:ph type="title"/>
+          </p:nvPr>
+        </p:nvSpPr>
+        <p:spPr/>
+        <p:txBody>
+          <a:bodyPr/>
+          <a:lstStyle/>
+          <a:p>
+            <a:pPr lvl="0" marL="0" indent="0">
+              <a:buNone/>
+            </a:pPr>
+            <a:r>
+              <a:rPr/>
+              <a:t>Spreading</a:t>
+            </a:r>
+            <a:r>
+              <a:rPr/>
+              <a:t> </a:t>
+            </a:r>
+            <a:r>
+              <a:rPr/>
+              <a:t>the</a:t>
+            </a:r>
+            <a:r>
+              <a:rPr/>
+              <a:t> </a:t>
+            </a:r>
+            <a:r>
+              <a:rPr/>
+              <a:t>EAV</a:t>
+            </a:r>
+            <a:r>
+              <a:rPr/>
+              <a:t> </a:t>
+            </a:r>
+            <a:r>
+              <a:rPr/>
+              <a:t>format</a:t>
+            </a:r>
+          </a:p>
+        </p:txBody>
+      </p:sp>
+      <p:sp>
+        <p:nvSpPr>
+          <p:cNvPr id="3" name="Content Placeholder 2"/>
+          <p:cNvSpPr>
+            <a:spLocks noGrp="1"/>
+          </p:cNvSpPr>
+          <p:nvPr>
+            <p:ph idx="1"/>
+          </p:nvPr>
+        </p:nvSpPr>
+        <p:spPr/>
+        <p:txBody>
+          <a:bodyPr/>
+          <a:lstStyle/>
+          <a:p>
+            <a:pPr lvl="1"/>
+            <a:r>
+              <a:rPr/>
+              <a:t>Output</a:t>
+            </a:r>
+          </a:p>
+          <a:p>
+            <a:pPr lvl="0" marL="1270000" indent="0">
+              <a:buNone/>
+            </a:pPr>
+            <a:r>
+              <a:rPr sz="1800">
+                <a:latin typeface="Courier"/>
+              </a:rPr>
+              <a:t>##    entity age
+## 1     191   9
+## 2     332  14
+## 3     358  14
+## 4     366  13
+## 5     369  11
+## 6     370  14
+## 7     372  13
+## 8     381  12
+## 9     384  14
+## 10    388  10</a:t>
+            </a:r>
+          </a:p>
+        </p:txBody>
+      </p:sp>
+    </p:spTree>
+  </p:cSld>
+</p:sld>
+</file>
+
 <file path=ppt/slides/slide3.xml><?xml version="1.0" encoding="utf-8"?>
 <p:sld xmlns:a="http://schemas.openxmlformats.org/drawingml/2006/main" xmlns:r="http://schemas.openxmlformats.org/officeDocument/2006/relationships" xmlns:p="http://schemas.openxmlformats.org/presentationml/2006/main">
   <p:cSld>
@@ -6031,15 +6996,39 @@
             </a:pPr>
             <a:r>
               <a:rPr/>
-              <a:t>Test</a:t>
-            </a:r>
-            <a:r>
-              <a:rPr/>
-              <a:t> </a:t>
-            </a:r>
-            <a:r>
-              <a:rPr/>
-              <a:t>slide</a:t>
+              <a:t>Gathering</a:t>
+            </a:r>
+            <a:r>
+              <a:rPr/>
+              <a:t> </a:t>
+            </a:r>
+            <a:r>
+              <a:rPr/>
+              <a:t>into</a:t>
+            </a:r>
+            <a:r>
+              <a:rPr/>
+              <a:t> </a:t>
+            </a:r>
+            <a:r>
+              <a:rPr/>
+              <a:t>a</a:t>
+            </a:r>
+            <a:r>
+              <a:rPr/>
+              <a:t> </a:t>
+            </a:r>
+            <a:r>
+              <a:rPr/>
+              <a:t>single</a:t>
+            </a:r>
+            <a:r>
+              <a:rPr/>
+              <a:t> </a:t>
+            </a:r>
+            <a:r>
+              <a:rPr/>
+              <a:t>column</a:t>
             </a:r>
           </a:p>
         </p:txBody>
@@ -6058,6 +7047,13 @@
         <p:txBody>
           <a:bodyPr/>
           <a:lstStyle/>
+          <a:p>
+            <a:pPr lvl="1"/>
+            <a:r>
+              <a:rPr/>
+              <a:t>SQL code</a:t>
+            </a:r>
+          </a:p>
           <a:p>
             <a:pPr lvl="0" marL="1270000" indent="0">
               <a:buNone/>
@@ -6066,21 +7062,15 @@
               <a:rPr sz="1800">
                 <a:latin typeface="Courier"/>
               </a:rPr>
-              <a:t>r01      1    1    2    2    3    3    4    4  4
-r02 5    0    5    0    5    0    5    0    5  8
-r03
-r04      1    1    2    2    3    3    4    4  4
-r05 5    0    5    0    5    0    5    0    5  8
-r06
-r07      1    1    2    2    3    3    4    4  4
-r08 5    0    5    0    5    0    5    0    5  8
-r09
-r10      1    1    2    2    3    3    4    4  4
-r11 5    0    5    0    5    0    5    0    5  8
-r12
-r13      1    1    2    2    3    3    4    4  4
-r14 5    0    5    0    5    0    5    0    5  8
-r15</a:t>
+              <a:t>select 
+  id, week0 as depression, 0 as time
+  from earthquake_table
+union select
+  id, week3 as depression, 3 as time
+  from earthquake_table
+union select
+  id, week6 as depression, 6 as time
+  from earthquake_table</a:t>
             </a:r>
           </a:p>
         </p:txBody>
@@ -6150,7 +7140,7 @@
             <a:pPr lvl="1"/>
             <a:r>
               <a:rPr/>
-              <a:t>SQL code</a:t>
+              <a:t>SQL code, continued</a:t>
             </a:r>
           </a:p>
           <a:p>
@@ -6161,15 +7151,13 @@
               <a:rPr sz="1800">
                 <a:latin typeface="Courier"/>
               </a:rPr>
-              <a:t>select 
-  id, week0 as depression_score, 0 as time
+              <a:t>union select
+  id, week9 as depression, 9 as time
   from earthquake_table
-union select
-  id, week3 as depression_score, 3 as time
+union 
+  select id, week12 as depression, 12 as time
   from earthquake_table
-union select
-  id, week6 as depression_score, 6 as time
-  from earthquake_table</a:t>
+limit 13</a:t>
             </a:r>
           </a:p>
         </p:txBody>
@@ -6239,7 +7227,7 @@
             <a:pPr lvl="1"/>
             <a:r>
               <a:rPr/>
-              <a:t>SQL code, continued</a:t>
+              <a:t>Output</a:t>
             </a:r>
           </a:p>
           <a:p>
@@ -6250,13 +7238,20 @@
               <a:rPr sz="1800">
                 <a:latin typeface="Courier"/>
               </a:rPr>
-              <a:t>union select
-  id, week9 as depression_score, 9 as time
-  from earthquake_table
-union 
-  select id, week12 as depression_score, 12 as time
-  from earthquake_table
-limit 13</a:t>
+              <a:t>##    id depression time
+## 1   1          4    9
+## 2   1          6    0
+## 3   1          6   12
+## 4   1          8    6
+## 5   1         10    3
+## 6   2          2    0
+## 7   2          4    3
+## 8   2          5    9
+## 9   2          6   12
+## 10  2          8    6
+## 11  3          2    0
+## 12  3          4    3
+## 13  3          5    9</a:t>
             </a:r>
           </a:p>
         </p:txBody>
@@ -6267,100 +7262,6 @@
 </file>
 
 <file path=ppt/slides/slide8.xml><?xml version="1.0" encoding="utf-8"?>
-<p:sld xmlns:a="http://schemas.openxmlformats.org/drawingml/2006/main" xmlns:r="http://schemas.openxmlformats.org/officeDocument/2006/relationships" xmlns:p="http://schemas.openxmlformats.org/presentationml/2006/main">
-  <p:cSld>
-    <p:spTree>
-      <p:nvGrpSpPr>
-        <p:cNvPr id="1" name=""/>
-        <p:cNvGrpSpPr/>
-        <p:nvPr/>
-      </p:nvGrpSpPr>
-      <p:grpSpPr>
-        <a:xfrm>
-          <a:off x="0" y="0"/>
-          <a:ext cx="0" cy="0"/>
-          <a:chOff x="0" y="0"/>
-          <a:chExt cx="0" cy="0"/>
-        </a:xfrm>
-      </p:grpSpPr>
-      <p:sp>
-        <p:nvSpPr>
-          <p:cNvPr id="2" name="Title 1"/>
-          <p:cNvSpPr>
-            <a:spLocks noGrp="1"/>
-          </p:cNvSpPr>
-          <p:nvPr>
-            <p:ph type="title"/>
-          </p:nvPr>
-        </p:nvSpPr>
-        <p:spPr/>
-        <p:txBody>
-          <a:bodyPr/>
-          <a:lstStyle/>
-          <a:p>
-            <a:pPr lvl="0" marL="0" indent="0">
-              <a:buNone/>
-            </a:pPr>
-            <a:r>
-              <a:rPr/>
-              <a:t>Gathering</a:t>
-            </a:r>
-          </a:p>
-        </p:txBody>
-      </p:sp>
-      <p:sp>
-        <p:nvSpPr>
-          <p:cNvPr id="3" name="Content Placeholder 2"/>
-          <p:cNvSpPr>
-            <a:spLocks noGrp="1"/>
-          </p:cNvSpPr>
-          <p:nvPr>
-            <p:ph idx="1"/>
-          </p:nvPr>
-        </p:nvSpPr>
-        <p:spPr/>
-        <p:txBody>
-          <a:bodyPr/>
-          <a:lstStyle/>
-          <a:p>
-            <a:pPr lvl="1"/>
-            <a:r>
-              <a:rPr/>
-              <a:t>Output</a:t>
-            </a:r>
-          </a:p>
-          <a:p>
-            <a:pPr lvl="0" marL="1270000" indent="0">
-              <a:buNone/>
-            </a:pPr>
-            <a:r>
-              <a:rPr sz="1800">
-                <a:latin typeface="Courier"/>
-              </a:rPr>
-              <a:t>##    id depression_score time
-## 1   1                4    9
-## 2   1                6    0
-## 3   1                6   12
-## 4   1                8    6
-## 5   1               10    3
-## 6   2                2    0
-## 7   2                4    3
-## 8   2                5    9
-## 9   2                6   12
-## 10  2                8    6
-## 11  3                2    0
-## 12  3                4    3
-## 13  3                5    9</a:t>
-            </a:r>
-          </a:p>
-        </p:txBody>
-      </p:sp>
-    </p:spTree>
-  </p:cSld>
-</p:sld>
-</file>
-
-<file path=ppt/slides/slide9.xml><?xml version="1.0" encoding="utf-8"?>
 <p:sld xmlns:a="http://schemas.openxmlformats.org/drawingml/2006/main" xmlns:r="http://schemas.openxmlformats.org/officeDocument/2006/relationships" xmlns:p="http://schemas.openxmlformats.org/presentationml/2006/main">
   <p:cSld>
     <p:spTree>
@@ -6506,6 +7407,124 @@
             <a:r>
               <a:rPr/>
               <a:t>data</a:t>
+            </a:r>
+          </a:p>
+        </p:txBody>
+      </p:sp>
+    </p:spTree>
+  </p:cSld>
+</p:sld>
+</file>
+
+<file path=ppt/slides/slide9.xml><?xml version="1.0" encoding="utf-8"?>
+<p:sld xmlns:a="http://schemas.openxmlformats.org/drawingml/2006/main" xmlns:r="http://schemas.openxmlformats.org/officeDocument/2006/relationships" xmlns:p="http://schemas.openxmlformats.org/presentationml/2006/main">
+  <p:cSld>
+    <p:spTree>
+      <p:nvGrpSpPr>
+        <p:cNvPr id="1" name=""/>
+        <p:cNvGrpSpPr/>
+        <p:nvPr/>
+      </p:nvGrpSpPr>
+      <p:grpSpPr>
+        <a:xfrm>
+          <a:off x="0" y="0"/>
+          <a:ext cx="0" cy="0"/>
+          <a:chOff x="0" y="0"/>
+          <a:chExt cx="0" cy="0"/>
+        </a:xfrm>
+      </p:grpSpPr>
+      <p:sp>
+        <p:nvSpPr>
+          <p:cNvPr id="2" name="Title 1"/>
+          <p:cNvSpPr>
+            <a:spLocks noGrp="1"/>
+          </p:cNvSpPr>
+          <p:nvPr>
+            <p:ph type="title"/>
+          </p:nvPr>
+        </p:nvSpPr>
+        <p:spPr/>
+        <p:txBody>
+          <a:bodyPr/>
+          <a:lstStyle/>
+          <a:p>
+            <a:pPr lvl="0" marL="0" indent="0">
+              <a:buNone/>
+            </a:pPr>
+            <a:r>
+              <a:rPr/>
+              <a:t>cholestg_1_db,</a:t>
+            </a:r>
+            <a:r>
+              <a:rPr/>
+              <a:t> </a:t>
+            </a:r>
+            <a:r>
+              <a:rPr/>
+              <a:t>listing</a:t>
+            </a:r>
+            <a:r>
+              <a:rPr/>
+              <a:t> </a:t>
+            </a:r>
+            <a:r>
+              <a:rPr/>
+              <a:t>of</a:t>
+            </a:r>
+            <a:r>
+              <a:rPr/>
+              <a:t> </a:t>
+            </a:r>
+            <a:r>
+              <a:rPr/>
+              <a:t>original</a:t>
+            </a:r>
+            <a:r>
+              <a:rPr/>
+              <a:t> </a:t>
+            </a:r>
+            <a:r>
+              <a:rPr/>
+              <a:t>table</a:t>
+            </a:r>
+          </a:p>
+        </p:txBody>
+      </p:sp>
+      <p:sp>
+        <p:nvSpPr>
+          <p:cNvPr id="3" name="Content Placeholder 2"/>
+          <p:cNvSpPr>
+            <a:spLocks noGrp="1"/>
+          </p:cNvSpPr>
+          <p:nvPr>
+            <p:ph idx="1"/>
+          </p:nvPr>
+        </p:nvSpPr>
+        <p:spPr/>
+        <p:txBody>
+          <a:bodyPr/>
+          <a:lstStyle/>
+          <a:p>
+            <a:pPr lvl="1"/>
+            <a:r>
+              <a:rPr/>
+              <a:t>SQL code</a:t>
+            </a:r>
+          </a:p>
+          <a:p>
+            <a:pPr lvl="0" marL="1270000" indent="0">
+              <a:buNone/>
+            </a:pPr>
+            <a:r>
+              <a:rPr sz="1800">
+                <a:latin typeface="Courier"/>
+              </a:rPr>
+              <a:t>select *
+  from ch_table
+  order by patient, day
+  limit 10
+select count(*) as n_records
+   from ch_table</a:t>
             </a:r>
           </a:p>
         </p:txBody>
